--- a/WDSR - ćwiczenie 2.pptx
+++ b/WDSR - ćwiczenie 2.pptx
@@ -148,7 +148,7 @@
   </p:defaultTextStyle>
   <p:extLst>
     <p:ext uri="{EFAFB233-063F-42B5-8137-9DF3F51BA10A}">
-      <p15:sldGuideLst xmlns:p15="http://schemas.microsoft.com/office/powerpoint/2012/main" xmlns="">
+      <p15:sldGuideLst xmlns="" xmlns:p15="http://schemas.microsoft.com/office/powerpoint/2012/main">
         <p15:guide id="1" orient="horz" pos="1620">
           <p15:clr>
             <a:srgbClr val="A4A3A4"/>
@@ -182,7 +182,7 @@
       </p15:sldGuideLst>
     </p:ext>
     <p:ext uri="{2D200454-40CA-4A62-9FC3-DE9A4176ACB9}">
-      <p15:notesGuideLst xmlns:p15="http://schemas.microsoft.com/office/powerpoint/2012/main" xmlns=""/>
+      <p15:notesGuideLst xmlns="" xmlns:p15="http://schemas.microsoft.com/office/powerpoint/2012/main"/>
     </p:ext>
   </p:extLst>
 </p:presentation>
@@ -277,7 +277,7 @@
             <a:fld id="{C4843D26-F355-3844-A4EF-19D4FD875597}" type="datetimeFigureOut">
               <a:rPr lang="de-DE" smtClean="0"/>
               <a:pPr/>
-              <a:t>07.03.2016</a:t>
+              <a:t>04.03.2017</a:t>
             </a:fld>
             <a:endParaRPr lang="de-DE" dirty="0"/>
           </a:p>
@@ -353,7 +353,7 @@
     </p:spTree>
     <p:extLst>
       <p:ext uri="{BB962C8B-B14F-4D97-AF65-F5344CB8AC3E}">
-        <p14:creationId xmlns:p14="http://schemas.microsoft.com/office/powerpoint/2010/main" val="1863735379"/>
+        <p14:creationId xmlns:p14="http://schemas.microsoft.com/office/powerpoint/2010/main" xmlns="" val="1863735379"/>
       </p:ext>
     </p:extLst>
   </p:cSld>
@@ -445,7 +445,7 @@
             <a:fld id="{8E2CFE12-C1FB-D740-8B6C-AFB72D5D4002}" type="datetimeFigureOut">
               <a:rPr lang="de-DE" smtClean="0"/>
               <a:pPr/>
-              <a:t>07.03.2016</a:t>
+              <a:t>04.03.2017</a:t>
             </a:fld>
             <a:endParaRPr lang="de-DE" dirty="0"/>
           </a:p>
@@ -614,7 +614,7 @@
     </p:spTree>
     <p:extLst>
       <p:ext uri="{BB962C8B-B14F-4D97-AF65-F5344CB8AC3E}">
-        <p14:creationId xmlns:p14="http://schemas.microsoft.com/office/powerpoint/2010/main" val="1832403913"/>
+        <p14:creationId xmlns:p14="http://schemas.microsoft.com/office/powerpoint/2010/main" xmlns="" val="1832403913"/>
       </p:ext>
     </p:extLst>
   </p:cSld>
@@ -792,7 +792,7 @@
     </p:spTree>
     <p:extLst>
       <p:ext uri="{BB962C8B-B14F-4D97-AF65-F5344CB8AC3E}">
-        <p14:creationId xmlns:p14="http://schemas.microsoft.com/office/powerpoint/2010/main" val="1883132698"/>
+        <p14:creationId xmlns:p14="http://schemas.microsoft.com/office/powerpoint/2010/main" xmlns="" val="1883132698"/>
       </p:ext>
     </p:extLst>
   </p:cSld>
@@ -879,7 +879,7 @@
     </p:spTree>
     <p:extLst>
       <p:ext uri="{BB962C8B-B14F-4D97-AF65-F5344CB8AC3E}">
-        <p14:creationId xmlns:p14="http://schemas.microsoft.com/office/powerpoint/2010/main" val="1883132698"/>
+        <p14:creationId xmlns:p14="http://schemas.microsoft.com/office/powerpoint/2010/main" xmlns="" val="1883132698"/>
       </p:ext>
     </p:extLst>
   </p:cSld>
@@ -966,7 +966,7 @@
     </p:spTree>
     <p:extLst>
       <p:ext uri="{BB962C8B-B14F-4D97-AF65-F5344CB8AC3E}">
-        <p14:creationId xmlns:p14="http://schemas.microsoft.com/office/powerpoint/2010/main" val="1883132698"/>
+        <p14:creationId xmlns:p14="http://schemas.microsoft.com/office/powerpoint/2010/main" xmlns="" val="1883132698"/>
       </p:ext>
     </p:extLst>
   </p:cSld>
@@ -1053,7 +1053,7 @@
     </p:spTree>
     <p:extLst>
       <p:ext uri="{BB962C8B-B14F-4D97-AF65-F5344CB8AC3E}">
-        <p14:creationId xmlns:p14="http://schemas.microsoft.com/office/powerpoint/2010/main" val="1883132698"/>
+        <p14:creationId xmlns:p14="http://schemas.microsoft.com/office/powerpoint/2010/main" xmlns="" val="1883132698"/>
       </p:ext>
     </p:extLst>
   </p:cSld>
@@ -1140,7 +1140,7 @@
     </p:spTree>
     <p:extLst>
       <p:ext uri="{BB962C8B-B14F-4D97-AF65-F5344CB8AC3E}">
-        <p14:creationId xmlns:p14="http://schemas.microsoft.com/office/powerpoint/2010/main" val="1883132698"/>
+        <p14:creationId xmlns:p14="http://schemas.microsoft.com/office/powerpoint/2010/main" xmlns="" val="1883132698"/>
       </p:ext>
     </p:extLst>
   </p:cSld>
@@ -1227,7 +1227,7 @@
     </p:spTree>
     <p:extLst>
       <p:ext uri="{BB962C8B-B14F-4D97-AF65-F5344CB8AC3E}">
-        <p14:creationId xmlns:p14="http://schemas.microsoft.com/office/powerpoint/2010/main" val="1883132698"/>
+        <p14:creationId xmlns:p14="http://schemas.microsoft.com/office/powerpoint/2010/main" xmlns="" val="1883132698"/>
       </p:ext>
     </p:extLst>
   </p:cSld>
@@ -1314,7 +1314,7 @@
     </p:spTree>
     <p:extLst>
       <p:ext uri="{BB962C8B-B14F-4D97-AF65-F5344CB8AC3E}">
-        <p14:creationId xmlns:p14="http://schemas.microsoft.com/office/powerpoint/2010/main" val="1883132698"/>
+        <p14:creationId xmlns:p14="http://schemas.microsoft.com/office/powerpoint/2010/main" xmlns="" val="1883132698"/>
       </p:ext>
     </p:extLst>
   </p:cSld>
@@ -1401,7 +1401,7 @@
     </p:spTree>
     <p:extLst>
       <p:ext uri="{BB962C8B-B14F-4D97-AF65-F5344CB8AC3E}">
-        <p14:creationId xmlns:p14="http://schemas.microsoft.com/office/powerpoint/2010/main" val="1883132698"/>
+        <p14:creationId xmlns:p14="http://schemas.microsoft.com/office/powerpoint/2010/main" xmlns="" val="1883132698"/>
       </p:ext>
     </p:extLst>
   </p:cSld>
@@ -1488,7 +1488,7 @@
     </p:spTree>
     <p:extLst>
       <p:ext uri="{BB962C8B-B14F-4D97-AF65-F5344CB8AC3E}">
-        <p14:creationId xmlns:p14="http://schemas.microsoft.com/office/powerpoint/2010/main" val="1883132698"/>
+        <p14:creationId xmlns:p14="http://schemas.microsoft.com/office/powerpoint/2010/main" xmlns="" val="1883132698"/>
       </p:ext>
     </p:extLst>
   </p:cSld>
@@ -1575,7 +1575,7 @@
     </p:spTree>
     <p:extLst>
       <p:ext uri="{BB962C8B-B14F-4D97-AF65-F5344CB8AC3E}">
-        <p14:creationId xmlns:p14="http://schemas.microsoft.com/office/powerpoint/2010/main" val="1883132698"/>
+        <p14:creationId xmlns:p14="http://schemas.microsoft.com/office/powerpoint/2010/main" xmlns="" val="1883132698"/>
       </p:ext>
     </p:extLst>
   </p:cSld>
@@ -1662,7 +1662,7 @@
     </p:spTree>
     <p:extLst>
       <p:ext uri="{BB962C8B-B14F-4D97-AF65-F5344CB8AC3E}">
-        <p14:creationId xmlns:p14="http://schemas.microsoft.com/office/powerpoint/2010/main" val="1883132698"/>
+        <p14:creationId xmlns:p14="http://schemas.microsoft.com/office/powerpoint/2010/main" xmlns="" val="1883132698"/>
       </p:ext>
     </p:extLst>
   </p:cSld>
@@ -1749,7 +1749,7 @@
     </p:spTree>
     <p:extLst>
       <p:ext uri="{BB962C8B-B14F-4D97-AF65-F5344CB8AC3E}">
-        <p14:creationId xmlns:p14="http://schemas.microsoft.com/office/powerpoint/2010/main" val="1883132698"/>
+        <p14:creationId xmlns:p14="http://schemas.microsoft.com/office/powerpoint/2010/main" xmlns="" val="1883132698"/>
       </p:ext>
     </p:extLst>
   </p:cSld>
@@ -1836,7 +1836,7 @@
     </p:spTree>
     <p:extLst>
       <p:ext uri="{BB962C8B-B14F-4D97-AF65-F5344CB8AC3E}">
-        <p14:creationId xmlns:p14="http://schemas.microsoft.com/office/powerpoint/2010/main" val="1883132698"/>
+        <p14:creationId xmlns:p14="http://schemas.microsoft.com/office/powerpoint/2010/main" xmlns="" val="1883132698"/>
       </p:ext>
     </p:extLst>
   </p:cSld>
@@ -1923,7 +1923,7 @@
     </p:spTree>
     <p:extLst>
       <p:ext uri="{BB962C8B-B14F-4D97-AF65-F5344CB8AC3E}">
-        <p14:creationId xmlns:p14="http://schemas.microsoft.com/office/powerpoint/2010/main" val="1883132698"/>
+        <p14:creationId xmlns:p14="http://schemas.microsoft.com/office/powerpoint/2010/main" xmlns="" val="1883132698"/>
       </p:ext>
     </p:extLst>
   </p:cSld>
@@ -2010,7 +2010,7 @@
     </p:spTree>
     <p:extLst>
       <p:ext uri="{BB962C8B-B14F-4D97-AF65-F5344CB8AC3E}">
-        <p14:creationId xmlns:p14="http://schemas.microsoft.com/office/powerpoint/2010/main" val="1883132698"/>
+        <p14:creationId xmlns:p14="http://schemas.microsoft.com/office/powerpoint/2010/main" xmlns="" val="1883132698"/>
       </p:ext>
     </p:extLst>
   </p:cSld>
@@ -2097,7 +2097,7 @@
     </p:spTree>
     <p:extLst>
       <p:ext uri="{BB962C8B-B14F-4D97-AF65-F5344CB8AC3E}">
-        <p14:creationId xmlns:p14="http://schemas.microsoft.com/office/powerpoint/2010/main" val="1883132698"/>
+        <p14:creationId xmlns:p14="http://schemas.microsoft.com/office/powerpoint/2010/main" xmlns="" val="1883132698"/>
       </p:ext>
     </p:extLst>
   </p:cSld>
@@ -2184,7 +2184,7 @@
     </p:spTree>
     <p:extLst>
       <p:ext uri="{BB962C8B-B14F-4D97-AF65-F5344CB8AC3E}">
-        <p14:creationId xmlns:p14="http://schemas.microsoft.com/office/powerpoint/2010/main" val="1883132698"/>
+        <p14:creationId xmlns:p14="http://schemas.microsoft.com/office/powerpoint/2010/main" xmlns="" val="1883132698"/>
       </p:ext>
     </p:extLst>
   </p:cSld>
@@ -2271,7 +2271,7 @@
     </p:spTree>
     <p:extLst>
       <p:ext uri="{BB962C8B-B14F-4D97-AF65-F5344CB8AC3E}">
-        <p14:creationId xmlns:p14="http://schemas.microsoft.com/office/powerpoint/2010/main" val="1883132698"/>
+        <p14:creationId xmlns:p14="http://schemas.microsoft.com/office/powerpoint/2010/main" xmlns="" val="1883132698"/>
       </p:ext>
     </p:extLst>
   </p:cSld>
@@ -2358,7 +2358,7 @@
     </p:spTree>
     <p:extLst>
       <p:ext uri="{BB962C8B-B14F-4D97-AF65-F5344CB8AC3E}">
-        <p14:creationId xmlns:p14="http://schemas.microsoft.com/office/powerpoint/2010/main" val="1883132698"/>
+        <p14:creationId xmlns:p14="http://schemas.microsoft.com/office/powerpoint/2010/main" xmlns="" val="1883132698"/>
       </p:ext>
     </p:extLst>
   </p:cSld>
@@ -2445,7 +2445,7 @@
     </p:spTree>
     <p:extLst>
       <p:ext uri="{BB962C8B-B14F-4D97-AF65-F5344CB8AC3E}">
-        <p14:creationId xmlns:p14="http://schemas.microsoft.com/office/powerpoint/2010/main" val="1883132698"/>
+        <p14:creationId xmlns:p14="http://schemas.microsoft.com/office/powerpoint/2010/main" xmlns="" val="1883132698"/>
       </p:ext>
     </p:extLst>
   </p:cSld>
@@ -2532,7 +2532,7 @@
     </p:spTree>
     <p:extLst>
       <p:ext uri="{BB962C8B-B14F-4D97-AF65-F5344CB8AC3E}">
-        <p14:creationId xmlns:p14="http://schemas.microsoft.com/office/powerpoint/2010/main" val="1883132698"/>
+        <p14:creationId xmlns:p14="http://schemas.microsoft.com/office/powerpoint/2010/main" xmlns="" val="1883132698"/>
       </p:ext>
     </p:extLst>
   </p:cSld>
@@ -2619,7 +2619,7 @@
     </p:spTree>
     <p:extLst>
       <p:ext uri="{BB962C8B-B14F-4D97-AF65-F5344CB8AC3E}">
-        <p14:creationId xmlns:p14="http://schemas.microsoft.com/office/powerpoint/2010/main" val="1883132698"/>
+        <p14:creationId xmlns:p14="http://schemas.microsoft.com/office/powerpoint/2010/main" xmlns="" val="1883132698"/>
       </p:ext>
     </p:extLst>
   </p:cSld>
@@ -2706,7 +2706,7 @@
     </p:spTree>
     <p:extLst>
       <p:ext uri="{BB962C8B-B14F-4D97-AF65-F5344CB8AC3E}">
-        <p14:creationId xmlns:p14="http://schemas.microsoft.com/office/powerpoint/2010/main" val="1883132698"/>
+        <p14:creationId xmlns:p14="http://schemas.microsoft.com/office/powerpoint/2010/main" xmlns="" val="1883132698"/>
       </p:ext>
     </p:extLst>
   </p:cSld>
@@ -2793,7 +2793,7 @@
     </p:spTree>
     <p:extLst>
       <p:ext uri="{BB962C8B-B14F-4D97-AF65-F5344CB8AC3E}">
-        <p14:creationId xmlns:p14="http://schemas.microsoft.com/office/powerpoint/2010/main" val="1883132698"/>
+        <p14:creationId xmlns:p14="http://schemas.microsoft.com/office/powerpoint/2010/main" xmlns="" val="1883132698"/>
       </p:ext>
     </p:extLst>
   </p:cSld>
@@ -2880,7 +2880,7 @@
     </p:spTree>
     <p:extLst>
       <p:ext uri="{BB962C8B-B14F-4D97-AF65-F5344CB8AC3E}">
-        <p14:creationId xmlns:p14="http://schemas.microsoft.com/office/powerpoint/2010/main" val="1883132698"/>
+        <p14:creationId xmlns:p14="http://schemas.microsoft.com/office/powerpoint/2010/main" xmlns="" val="1883132698"/>
       </p:ext>
     </p:extLst>
   </p:cSld>
@@ -2967,7 +2967,7 @@
     </p:spTree>
     <p:extLst>
       <p:ext uri="{BB962C8B-B14F-4D97-AF65-F5344CB8AC3E}">
-        <p14:creationId xmlns:p14="http://schemas.microsoft.com/office/powerpoint/2010/main" val="1883132698"/>
+        <p14:creationId xmlns:p14="http://schemas.microsoft.com/office/powerpoint/2010/main" xmlns="" val="1883132698"/>
       </p:ext>
     </p:extLst>
   </p:cSld>
@@ -3054,7 +3054,7 @@
     </p:spTree>
     <p:extLst>
       <p:ext uri="{BB962C8B-B14F-4D97-AF65-F5344CB8AC3E}">
-        <p14:creationId xmlns:p14="http://schemas.microsoft.com/office/powerpoint/2010/main" val="1883132698"/>
+        <p14:creationId xmlns:p14="http://schemas.microsoft.com/office/powerpoint/2010/main" xmlns="" val="1883132698"/>
       </p:ext>
     </p:extLst>
   </p:cSld>
@@ -3141,7 +3141,7 @@
     </p:spTree>
     <p:extLst>
       <p:ext uri="{BB962C8B-B14F-4D97-AF65-F5344CB8AC3E}">
-        <p14:creationId xmlns:p14="http://schemas.microsoft.com/office/powerpoint/2010/main" val="1883132698"/>
+        <p14:creationId xmlns:p14="http://schemas.microsoft.com/office/powerpoint/2010/main" xmlns="" val="1883132698"/>
       </p:ext>
     </p:extLst>
   </p:cSld>
@@ -3228,7 +3228,7 @@
     </p:spTree>
     <p:extLst>
       <p:ext uri="{BB962C8B-B14F-4D97-AF65-F5344CB8AC3E}">
-        <p14:creationId xmlns:p14="http://schemas.microsoft.com/office/powerpoint/2010/main" val="1883132698"/>
+        <p14:creationId xmlns:p14="http://schemas.microsoft.com/office/powerpoint/2010/main" xmlns="" val="1883132698"/>
       </p:ext>
     </p:extLst>
   </p:cSld>
@@ -3315,7 +3315,7 @@
     </p:spTree>
     <p:extLst>
       <p:ext uri="{BB962C8B-B14F-4D97-AF65-F5344CB8AC3E}">
-        <p14:creationId xmlns:p14="http://schemas.microsoft.com/office/powerpoint/2010/main" val="1883132698"/>
+        <p14:creationId xmlns:p14="http://schemas.microsoft.com/office/powerpoint/2010/main" xmlns="" val="1883132698"/>
       </p:ext>
     </p:extLst>
   </p:cSld>
@@ -3402,7 +3402,7 @@
     </p:spTree>
     <p:extLst>
       <p:ext uri="{BB962C8B-B14F-4D97-AF65-F5344CB8AC3E}">
-        <p14:creationId xmlns:p14="http://schemas.microsoft.com/office/powerpoint/2010/main" val="1883132698"/>
+        <p14:creationId xmlns:p14="http://schemas.microsoft.com/office/powerpoint/2010/main" xmlns="" val="1883132698"/>
       </p:ext>
     </p:extLst>
   </p:cSld>
@@ -3489,7 +3489,7 @@
     </p:spTree>
     <p:extLst>
       <p:ext uri="{BB962C8B-B14F-4D97-AF65-F5344CB8AC3E}">
-        <p14:creationId xmlns:p14="http://schemas.microsoft.com/office/powerpoint/2010/main" val="1883132698"/>
+        <p14:creationId xmlns:p14="http://schemas.microsoft.com/office/powerpoint/2010/main" xmlns="" val="1883132698"/>
       </p:ext>
     </p:extLst>
   </p:cSld>
@@ -3576,7 +3576,7 @@
     </p:spTree>
     <p:extLst>
       <p:ext uri="{BB962C8B-B14F-4D97-AF65-F5344CB8AC3E}">
-        <p14:creationId xmlns:p14="http://schemas.microsoft.com/office/powerpoint/2010/main" val="1883132698"/>
+        <p14:creationId xmlns:p14="http://schemas.microsoft.com/office/powerpoint/2010/main" xmlns="" val="1883132698"/>
       </p:ext>
     </p:extLst>
   </p:cSld>
@@ -3663,7 +3663,7 @@
     </p:spTree>
     <p:extLst>
       <p:ext uri="{BB962C8B-B14F-4D97-AF65-F5344CB8AC3E}">
-        <p14:creationId xmlns:p14="http://schemas.microsoft.com/office/powerpoint/2010/main" val="1883132698"/>
+        <p14:creationId xmlns:p14="http://schemas.microsoft.com/office/powerpoint/2010/main" xmlns="" val="1883132698"/>
       </p:ext>
     </p:extLst>
   </p:cSld>
@@ -3750,7 +3750,7 @@
     </p:spTree>
     <p:extLst>
       <p:ext uri="{BB962C8B-B14F-4D97-AF65-F5344CB8AC3E}">
-        <p14:creationId xmlns:p14="http://schemas.microsoft.com/office/powerpoint/2010/main" val="1883132698"/>
+        <p14:creationId xmlns:p14="http://schemas.microsoft.com/office/powerpoint/2010/main" xmlns="" val="1883132698"/>
       </p:ext>
     </p:extLst>
   </p:cSld>
@@ -3789,7 +3789,7 @@
           <a:blip r:embed="rId2">
             <a:extLst>
               <a:ext uri="{28A0092B-C50C-407E-A947-70E740481C1C}">
-                <a14:useLocalDpi xmlns:a14="http://schemas.microsoft.com/office/drawing/2010/main" val="0"/>
+                <a14:useLocalDpi xmlns:a14="http://schemas.microsoft.com/office/drawing/2010/main" xmlns="" val="0"/>
               </a:ext>
             </a:extLst>
           </a:blip>
@@ -4103,7 +4103,7 @@
           <a:blip r:embed="rId3">
             <a:extLst>
               <a:ext uri="{28A0092B-C50C-407E-A947-70E740481C1C}">
-                <a14:useLocalDpi xmlns:a14="http://schemas.microsoft.com/office/drawing/2010/main" val="0"/>
+                <a14:useLocalDpi xmlns:a14="http://schemas.microsoft.com/office/drawing/2010/main" xmlns="" val="0"/>
               </a:ext>
             </a:extLst>
           </a:blip>
@@ -4123,7 +4123,7 @@
           <a:noFill/>
           <a:extLst>
             <a:ext uri="{909E8E84-426E-40DD-AFC4-6F175D3DCCD1}">
-              <a14:hiddenFill xmlns:a14="http://schemas.microsoft.com/office/drawing/2010/main">
+              <a14:hiddenFill xmlns:a14="http://schemas.microsoft.com/office/drawing/2010/main" xmlns="">
                 <a:solidFill>
                   <a:srgbClr val="FFFFFF"/>
                 </a:solidFill>
@@ -4135,7 +4135,7 @@
     </p:spTree>
     <p:extLst>
       <p:ext uri="{BB962C8B-B14F-4D97-AF65-F5344CB8AC3E}">
-        <p14:creationId xmlns:p14="http://schemas.microsoft.com/office/powerpoint/2010/main" val="2032434000"/>
+        <p14:creationId xmlns:p14="http://schemas.microsoft.com/office/powerpoint/2010/main" xmlns="" val="2032434000"/>
       </p:ext>
     </p:extLst>
   </p:cSld>
@@ -4181,7 +4181,7 @@
           <a:blip r:embed="rId2">
             <a:extLst>
               <a:ext uri="{28A0092B-C50C-407E-A947-70E740481C1C}">
-                <a14:useLocalDpi xmlns:a14="http://schemas.microsoft.com/office/drawing/2010/main" val="0"/>
+                <a14:useLocalDpi xmlns:a14="http://schemas.microsoft.com/office/drawing/2010/main" xmlns="" val="0"/>
               </a:ext>
             </a:extLst>
           </a:blip>
@@ -4477,7 +4477,7 @@
           <a:blip r:embed="rId3">
             <a:extLst>
               <a:ext uri="{28A0092B-C50C-407E-A947-70E740481C1C}">
-                <a14:useLocalDpi xmlns:a14="http://schemas.microsoft.com/office/drawing/2010/main" val="0"/>
+                <a14:useLocalDpi xmlns:a14="http://schemas.microsoft.com/office/drawing/2010/main" xmlns="" val="0"/>
               </a:ext>
             </a:extLst>
           </a:blip>
@@ -4497,7 +4497,7 @@
           <a:noFill/>
           <a:extLst>
             <a:ext uri="{909E8E84-426E-40DD-AFC4-6F175D3DCCD1}">
-              <a14:hiddenFill xmlns:a14="http://schemas.microsoft.com/office/drawing/2010/main">
+              <a14:hiddenFill xmlns:a14="http://schemas.microsoft.com/office/drawing/2010/main" xmlns="">
                 <a:solidFill>
                   <a:srgbClr val="FFFFFF"/>
                 </a:solidFill>
@@ -4509,7 +4509,7 @@
     </p:spTree>
     <p:extLst>
       <p:ext uri="{BB962C8B-B14F-4D97-AF65-F5344CB8AC3E}">
-        <p14:creationId xmlns:p14="http://schemas.microsoft.com/office/powerpoint/2010/main" val="707728385"/>
+        <p14:creationId xmlns:p14="http://schemas.microsoft.com/office/powerpoint/2010/main" xmlns="" val="707728385"/>
       </p:ext>
     </p:extLst>
   </p:cSld>
@@ -4525,7 +4525,7 @@
   </p:timing>
   <p:extLst mod="1">
     <p:ext uri="{DCECCB84-F9BA-43D5-87BE-67443E8EF086}">
-      <p15:sldGuideLst xmlns:p15="http://schemas.microsoft.com/office/powerpoint/2012/main" xmlns="">
+      <p15:sldGuideLst xmlns="" xmlns:p15="http://schemas.microsoft.com/office/powerpoint/2012/main">
         <p15:guide id="1" orient="horz" pos="1221">
           <p15:clr>
             <a:srgbClr val="C35EA4"/>
@@ -4566,7 +4566,7 @@
           <a:blip r:embed="rId2">
             <a:extLst>
               <a:ext uri="{28A0092B-C50C-407E-A947-70E740481C1C}">
-                <a14:useLocalDpi xmlns:a14="http://schemas.microsoft.com/office/drawing/2010/main" val="0"/>
+                <a14:useLocalDpi xmlns:a14="http://schemas.microsoft.com/office/drawing/2010/main" xmlns="" val="0"/>
               </a:ext>
             </a:extLst>
           </a:blip>
@@ -4817,7 +4817,7 @@
           <a:blip r:embed="rId3">
             <a:extLst>
               <a:ext uri="{28A0092B-C50C-407E-A947-70E740481C1C}">
-                <a14:useLocalDpi xmlns:a14="http://schemas.microsoft.com/office/drawing/2010/main" val="0"/>
+                <a14:useLocalDpi xmlns:a14="http://schemas.microsoft.com/office/drawing/2010/main" xmlns="" val="0"/>
               </a:ext>
             </a:extLst>
           </a:blip>
@@ -4837,7 +4837,7 @@
           <a:noFill/>
           <a:extLst>
             <a:ext uri="{909E8E84-426E-40DD-AFC4-6F175D3DCCD1}">
-              <a14:hiddenFill xmlns:a14="http://schemas.microsoft.com/office/drawing/2010/main">
+              <a14:hiddenFill xmlns:a14="http://schemas.microsoft.com/office/drawing/2010/main" xmlns="">
                 <a:solidFill>
                   <a:srgbClr val="FFFFFF"/>
                 </a:solidFill>
@@ -4849,7 +4849,7 @@
     </p:spTree>
     <p:extLst>
       <p:ext uri="{BB962C8B-B14F-4D97-AF65-F5344CB8AC3E}">
-        <p14:creationId xmlns:p14="http://schemas.microsoft.com/office/powerpoint/2010/main" val="3130113218"/>
+        <p14:creationId xmlns:p14="http://schemas.microsoft.com/office/powerpoint/2010/main" xmlns="" val="3130113218"/>
       </p:ext>
     </p:extLst>
   </p:cSld>
@@ -4858,7 +4858,7 @@
   </p:clrMapOvr>
   <p:extLst mod="1">
     <p:ext uri="{DCECCB84-F9BA-43D5-87BE-67443E8EF086}">
-      <p15:sldGuideLst xmlns:p15="http://schemas.microsoft.com/office/powerpoint/2012/main" xmlns="">
+      <p15:sldGuideLst xmlns="" xmlns:p15="http://schemas.microsoft.com/office/powerpoint/2012/main">
         <p15:guide id="1" orient="horz" pos="1221">
           <p15:clr>
             <a:srgbClr val="C35EA4"/>
@@ -5012,7 +5012,7 @@
     </p:spTree>
     <p:extLst>
       <p:ext uri="{BB962C8B-B14F-4D97-AF65-F5344CB8AC3E}">
-        <p14:creationId xmlns:p14="http://schemas.microsoft.com/office/powerpoint/2010/main" val="2626482632"/>
+        <p14:creationId xmlns:p14="http://schemas.microsoft.com/office/powerpoint/2010/main" xmlns="" val="2626482632"/>
       </p:ext>
     </p:extLst>
   </p:cSld>
@@ -5233,7 +5233,7 @@
     </p:spTree>
     <p:extLst>
       <p:ext uri="{BB962C8B-B14F-4D97-AF65-F5344CB8AC3E}">
-        <p14:creationId xmlns:p14="http://schemas.microsoft.com/office/powerpoint/2010/main" val="3371847988"/>
+        <p14:creationId xmlns:p14="http://schemas.microsoft.com/office/powerpoint/2010/main" xmlns="" val="3371847988"/>
       </p:ext>
     </p:extLst>
   </p:cSld>
@@ -5449,7 +5449,7 @@
     </p:spTree>
     <p:extLst>
       <p:ext uri="{BB962C8B-B14F-4D97-AF65-F5344CB8AC3E}">
-        <p14:creationId xmlns:p14="http://schemas.microsoft.com/office/powerpoint/2010/main" val="4208395069"/>
+        <p14:creationId xmlns:p14="http://schemas.microsoft.com/office/powerpoint/2010/main" xmlns="" val="4208395069"/>
       </p:ext>
     </p:extLst>
   </p:cSld>
@@ -5545,7 +5545,7 @@
     </p:spTree>
     <p:extLst>
       <p:ext uri="{BB962C8B-B14F-4D97-AF65-F5344CB8AC3E}">
-        <p14:creationId xmlns:p14="http://schemas.microsoft.com/office/powerpoint/2010/main" val="2097094422"/>
+        <p14:creationId xmlns:p14="http://schemas.microsoft.com/office/powerpoint/2010/main" xmlns="" val="2097094422"/>
       </p:ext>
     </p:extLst>
   </p:cSld>
@@ -5579,12 +5579,9 @@
             <a:graphicFrameLocks noChangeAspect="1"/>
           </p:cNvGraphicFramePr>
           <p:nvPr userDrawn="1">
-            <p:custDataLst>
-              <p:tags r:id="rId2"/>
-            </p:custDataLst>
             <p:extLst>
               <p:ext uri="{D42A27DB-BD31-4B8C-83A1-F6EECF244321}">
-                <p14:modId xmlns:p14="http://schemas.microsoft.com/office/powerpoint/2010/main" val="2766779821"/>
+                <p14:modId xmlns:p14="http://schemas.microsoft.com/office/powerpoint/2010/main" xmlns="" val="2766779821"/>
               </p:ext>
             </p:extLst>
           </p:nvPr>
@@ -5595,40 +5592,9 @@
         </p:xfrm>
         <a:graphic>
           <a:graphicData uri="http://schemas.openxmlformats.org/presentationml/2006/ole">
-            <mc:AlternateContent xmlns:mc="http://schemas.openxmlformats.org/markup-compatibility/2006">
-              <mc:Choice xmlns:v="urn:schemas-microsoft-com:vml" Requires="v">
-                <p:oleObj spid="_x0000_s2248" name="think-cell Folie" r:id="rId4" imgW="305" imgH="303" progId="TCLayout.ActiveDocument.1">
-                  <p:embed/>
-                </p:oleObj>
-              </mc:Choice>
-              <mc:Fallback>
-                <p:oleObj name="think-cell Folie" r:id="rId4" imgW="305" imgH="303" progId="TCLayout.ActiveDocument.1">
-                  <p:embed/>
-                  <p:pic>
-                    <p:nvPicPr>
-                      <p:cNvPr id="0" name=""/>
-                      <p:cNvPicPr/>
-                      <p:nvPr/>
-                    </p:nvPicPr>
-                    <p:blipFill>
-                      <a:blip r:embed="rId5"/>
-                      <a:stretch>
-                        <a:fillRect/>
-                      </a:stretch>
-                    </p:blipFill>
-                    <p:spPr>
-                      <a:xfrm>
-                        <a:off x="1588" y="1588"/>
-                        <a:ext cx="1587" cy="1587"/>
-                      </a:xfrm>
-                      <a:prstGeom prst="rect">
-                        <a:avLst/>
-                      </a:prstGeom>
-                    </p:spPr>
-                  </p:pic>
-                </p:oleObj>
-              </mc:Fallback>
-            </mc:AlternateContent>
+            <p:oleObj spid="_x0000_s2248" name="think-cell Folie" r:id="rId3" imgW="360" imgH="360" progId="">
+              <p:embed/>
+            </p:oleObj>
           </a:graphicData>
         </a:graphic>
       </p:graphicFrame>
@@ -5641,10 +5607,10 @@
           <p:nvPr userDrawn="1"/>
         </p:nvPicPr>
         <p:blipFill rotWithShape="1">
-          <a:blip r:embed="rId6">
+          <a:blip r:embed="rId4">
             <a:extLst>
               <a:ext uri="{28A0092B-C50C-407E-A947-70E740481C1C}">
-                <a14:useLocalDpi xmlns:a14="http://schemas.microsoft.com/office/drawing/2010/main" val="0"/>
+                <a14:useLocalDpi xmlns:a14="http://schemas.microsoft.com/office/drawing/2010/main" xmlns="" val="0"/>
               </a:ext>
             </a:extLst>
           </a:blip>
@@ -5670,7 +5636,7 @@
           <p:nvPr userDrawn="1"/>
         </p:nvPicPr>
         <p:blipFill>
-          <a:blip r:embed="rId7"/>
+          <a:blip r:embed="rId5"/>
           <a:stretch>
             <a:fillRect/>
           </a:stretch>
@@ -5896,7 +5862,7 @@
     </p:spTree>
     <p:extLst>
       <p:ext uri="{BB962C8B-B14F-4D97-AF65-F5344CB8AC3E}">
-        <p14:creationId xmlns:p14="http://schemas.microsoft.com/office/powerpoint/2010/main" val="2060546820"/>
+        <p14:creationId xmlns:p14="http://schemas.microsoft.com/office/powerpoint/2010/main" xmlns="" val="2060546820"/>
       </p:ext>
     </p:extLst>
   </p:cSld>
@@ -5937,10 +5903,10 @@
           <p:nvPr/>
         </p:nvPicPr>
         <p:blipFill>
-          <a:blip r:embed="rId12">
+          <a:blip r:embed="rId11">
             <a:extLst>
               <a:ext uri="{28A0092B-C50C-407E-A947-70E740481C1C}">
-                <a14:useLocalDpi xmlns:a14="http://schemas.microsoft.com/office/drawing/2010/main" val="0"/>
+                <a14:useLocalDpi xmlns:a14="http://schemas.microsoft.com/office/drawing/2010/main" xmlns="" val="0"/>
               </a:ext>
             </a:extLst>
           </a:blip>
@@ -5960,7 +5926,7 @@
           <a:noFill/>
           <a:extLst>
             <a:ext uri="{909E8E84-426E-40DD-AFC4-6F175D3DCCD1}">
-              <a14:hiddenFill xmlns:a14="http://schemas.microsoft.com/office/drawing/2010/main">
+              <a14:hiddenFill xmlns:a14="http://schemas.microsoft.com/office/drawing/2010/main" xmlns="">
                 <a:solidFill>
                   <a:srgbClr val="FFFFFF"/>
                 </a:solidFill>
@@ -5976,12 +5942,9 @@
             <a:graphicFrameLocks noChangeAspect="1"/>
           </p:cNvGraphicFramePr>
           <p:nvPr>
-            <p:custDataLst>
-              <p:tags r:id="rId11"/>
-            </p:custDataLst>
             <p:extLst>
               <p:ext uri="{D42A27DB-BD31-4B8C-83A1-F6EECF244321}">
-                <p14:modId xmlns:p14="http://schemas.microsoft.com/office/powerpoint/2010/main" val="2610759032"/>
+                <p14:modId xmlns:p14="http://schemas.microsoft.com/office/powerpoint/2010/main" xmlns="" val="2610759032"/>
               </p:ext>
             </p:extLst>
           </p:nvPr>
@@ -5992,40 +5955,9 @@
         </p:xfrm>
         <a:graphic>
           <a:graphicData uri="http://schemas.openxmlformats.org/presentationml/2006/ole">
-            <mc:AlternateContent xmlns:mc="http://schemas.openxmlformats.org/markup-compatibility/2006">
-              <mc:Choice xmlns:v="urn:schemas-microsoft-com:vml" Requires="v">
-                <p:oleObj spid="_x0000_s1229" name="think-cell Folie" r:id="rId13" imgW="305" imgH="303" progId="TCLayout.ActiveDocument.1">
-                  <p:embed/>
-                </p:oleObj>
-              </mc:Choice>
-              <mc:Fallback>
-                <p:oleObj name="think-cell Folie" r:id="rId13" imgW="305" imgH="303" progId="TCLayout.ActiveDocument.1">
-                  <p:embed/>
-                  <p:pic>
-                    <p:nvPicPr>
-                      <p:cNvPr id="0" name=""/>
-                      <p:cNvPicPr/>
-                      <p:nvPr/>
-                    </p:nvPicPr>
-                    <p:blipFill>
-                      <a:blip r:embed="rId14"/>
-                      <a:stretch>
-                        <a:fillRect/>
-                      </a:stretch>
-                    </p:blipFill>
-                    <p:spPr>
-                      <a:xfrm>
-                        <a:off x="1588" y="1588"/>
-                        <a:ext cx="1587" cy="1587"/>
-                      </a:xfrm>
-                      <a:prstGeom prst="rect">
-                        <a:avLst/>
-                      </a:prstGeom>
-                    </p:spPr>
-                  </p:pic>
-                </p:oleObj>
-              </mc:Fallback>
-            </mc:AlternateContent>
+            <p:oleObj spid="_x0000_s1229" name="think-cell Folie" r:id="rId12" imgW="360" imgH="360" progId="">
+              <p:embed/>
+            </p:oleObj>
           </a:graphicData>
         </a:graphic>
       </p:graphicFrame>
@@ -6883,7 +6815,7 @@
     </p:spTree>
     <p:extLst>
       <p:ext uri="{BB962C8B-B14F-4D97-AF65-F5344CB8AC3E}">
-        <p14:creationId xmlns:p14="http://schemas.microsoft.com/office/powerpoint/2010/main" val="2955847980"/>
+        <p14:creationId xmlns:p14="http://schemas.microsoft.com/office/powerpoint/2010/main" xmlns="" val="2955847980"/>
       </p:ext>
     </p:extLst>
   </p:cSld>
@@ -7202,7 +7134,7 @@
   </p:txStyles>
   <p:extLst mod="1">
     <p:ext uri="{27BBF7A9-308A-43DC-89C8-2F10F3537804}">
-      <p15:sldGuideLst xmlns:p15="http://schemas.microsoft.com/office/powerpoint/2012/main" xmlns="">
+      <p15:sldGuideLst xmlns="" xmlns:p15="http://schemas.microsoft.com/office/powerpoint/2012/main">
         <p15:guide id="1" pos="283">
           <p15:clr>
             <a:srgbClr val="FBAE40"/>
@@ -7308,8 +7240,8 @@
         </p:nvSpPr>
         <p:spPr>
           <a:xfrm>
-            <a:off x="976312" y="4178885"/>
-            <a:ext cx="5232400" cy="507831"/>
+            <a:off x="976312" y="4009608"/>
+            <a:ext cx="5232400" cy="677108"/>
           </a:xfrm>
         </p:spPr>
         <p:txBody>
@@ -7318,20 +7250,48 @@
           <a:p>
             <a:r>
               <a:rPr lang="pl-PL" dirty="0" smtClean="0"/>
-              <a:t>Marek Strejczek</a:t>
+              <a:t>Autor: Marek </a:t>
+            </a:r>
+            <a:r>
+              <a:rPr lang="pl-PL" dirty="0" err="1" smtClean="0"/>
+              <a:t>Strejczek</a:t>
+            </a:r>
+            <a:endParaRPr lang="pl-PL" dirty="0" smtClean="0"/>
+          </a:p>
+          <a:p>
+            <a:r>
+              <a:rPr lang="pl-PL" dirty="0" smtClean="0"/>
+              <a:t>Prowadzący: Mateusz Kołodziejski (</a:t>
+            </a:r>
+            <a:r>
+              <a:rPr lang="pl-PL" dirty="0" err="1" smtClean="0"/>
+              <a:t>mateusz.kolodziejski@gft.com</a:t>
+            </a:r>
+            <a:r>
+              <a:rPr lang="pl-PL" dirty="0" smtClean="0"/>
+              <a:t>)</a:t>
             </a:r>
             <a:endParaRPr lang="de-DE" dirty="0" smtClean="0"/>
           </a:p>
           <a:p>
             <a:r>
               <a:rPr lang="pl-PL" dirty="0" smtClean="0"/>
-              <a:t>Lato 2016</a:t>
-            </a:r>
-          </a:p>
-          <a:p>
-            <a:r>
-              <a:rPr lang="pl-PL" dirty="0" smtClean="0"/>
-              <a:t>Wersja 1.0</a:t>
+              <a:t>Lato </a:t>
+            </a:r>
+            <a:r>
+              <a:rPr lang="pl-PL" dirty="0" smtClean="0"/>
+              <a:t>2017</a:t>
+            </a:r>
+            <a:endParaRPr lang="pl-PL" dirty="0" smtClean="0"/>
+          </a:p>
+          <a:p>
+            <a:r>
+              <a:rPr lang="pl-PL" dirty="0" smtClean="0"/>
+              <a:t>Wersja </a:t>
+            </a:r>
+            <a:r>
+              <a:rPr lang="pl-PL" dirty="0" smtClean="0"/>
+              <a:t>1.1</a:t>
             </a:r>
             <a:endParaRPr lang="de-DE" dirty="0"/>
           </a:p>
@@ -7340,7 +7300,7 @@
     </p:spTree>
     <p:extLst>
       <p:ext uri="{BB962C8B-B14F-4D97-AF65-F5344CB8AC3E}">
-        <p14:creationId xmlns:p14="http://schemas.microsoft.com/office/powerpoint/2010/main" val="3230101943"/>
+        <p14:creationId xmlns:p14="http://schemas.microsoft.com/office/powerpoint/2010/main" xmlns="" val="3230101943"/>
       </p:ext>
     </p:extLst>
   </p:cSld>
@@ -7632,18 +7592,18 @@
     </p:spTree>
     <p:extLst>
       <p:ext uri="{BB962C8B-B14F-4D97-AF65-F5344CB8AC3E}">
-        <p14:creationId xmlns:p14="http://schemas.microsoft.com/office/powerpoint/2010/main" val="4265850959"/>
+        <p14:creationId xmlns:p14="http://schemas.microsoft.com/office/powerpoint/2010/main" xmlns="" val="4265850959"/>
       </p:ext>
     </p:extLst>
   </p:cSld>
   <p:clrMapOvr>
     <a:masterClrMapping/>
   </p:clrMapOvr>
-  <mc:AlternateContent xmlns:mc="http://schemas.openxmlformats.org/markup-compatibility/2006" xmlns:p14="http://schemas.microsoft.com/office/powerpoint/2010/main">
-    <mc:Choice Requires="p14">
+  <mc:AlternateContent xmlns:mc="http://schemas.openxmlformats.org/markup-compatibility/2006">
+    <mc:Choice xmlns:p14="http://schemas.microsoft.com/office/powerpoint/2010/main" xmlns="" Requires="p14">
       <p:transition p14:dur="0"/>
     </mc:Choice>
-    <mc:Fallback xmlns="">
+    <mc:Fallback>
       <p:transition/>
     </mc:Fallback>
   </mc:AlternateContent>
@@ -7753,7 +7713,6 @@
               <a:rPr lang="pl-PL" sz="1000" dirty="0" smtClean="0"/>
               <a:t>Kolejność wykonywania instrukcji w ramach tego samego wątku może być zmieniana przez maszynę wirtualną.</a:t>
             </a:r>
-            <a:endParaRPr lang="pl-PL" sz="1000" dirty="0" smtClean="0"/>
           </a:p>
           <a:p>
             <a:pPr lvl="2"/>
@@ -7909,18 +7868,18 @@
     </p:spTree>
     <p:extLst>
       <p:ext uri="{BB962C8B-B14F-4D97-AF65-F5344CB8AC3E}">
-        <p14:creationId xmlns:p14="http://schemas.microsoft.com/office/powerpoint/2010/main" val="4257111287"/>
+        <p14:creationId xmlns:p14="http://schemas.microsoft.com/office/powerpoint/2010/main" xmlns="" val="4257111287"/>
       </p:ext>
     </p:extLst>
   </p:cSld>
   <p:clrMapOvr>
     <a:masterClrMapping/>
   </p:clrMapOvr>
-  <mc:AlternateContent xmlns:mc="http://schemas.openxmlformats.org/markup-compatibility/2006" xmlns:p14="http://schemas.microsoft.com/office/powerpoint/2010/main">
-    <mc:Choice Requires="p14">
+  <mc:AlternateContent xmlns:mc="http://schemas.openxmlformats.org/markup-compatibility/2006">
+    <mc:Choice xmlns:p14="http://schemas.microsoft.com/office/powerpoint/2010/main" xmlns="" Requires="p14">
       <p:transition p14:dur="0"/>
     </mc:Choice>
-    <mc:Fallback xmlns="">
+    <mc:Fallback>
       <p:transition/>
     </mc:Fallback>
   </mc:AlternateContent>
@@ -8044,15 +8003,14 @@
                   <a:schemeClr val="tx1"/>
                 </a:solidFill>
               </a:rPr>
-              <a:t>Ćwiczenie </a:t>
-            </a:r>
-            <a:r>
-              <a:rPr lang="pl-PL" sz="1600" dirty="0" smtClean="0">
-                <a:solidFill>
-                  <a:schemeClr val="tx1"/>
-                </a:solidFill>
-              </a:rPr>
-              <a:t>2</a:t>
+              <a:t>Ćwiczenie 2</a:t>
+            </a:r>
+          </a:p>
+          <a:p>
+            <a:pPr algn="ctr"/>
+            <a:r>
+              <a:rPr lang="pl-PL" sz="1600" dirty="0" smtClean="0"/>
+              <a:t>Opis ćwiczenia</a:t>
             </a:r>
             <a:endParaRPr lang="pl-PL" sz="1600" dirty="0" smtClean="0">
               <a:solidFill>
@@ -8060,35 +8018,23 @@
               </a:solidFill>
             </a:endParaRPr>
           </a:p>
-          <a:p>
-            <a:pPr algn="ctr"/>
-            <a:r>
-              <a:rPr lang="pl-PL" sz="1600" dirty="0" smtClean="0"/>
-              <a:t>Opis ćwiczenia</a:t>
-            </a:r>
-            <a:endParaRPr lang="pl-PL" sz="1600" dirty="0" smtClean="0">
-              <a:solidFill>
-                <a:schemeClr val="tx1"/>
-              </a:solidFill>
-            </a:endParaRPr>
-          </a:p>
         </p:txBody>
       </p:sp>
     </p:spTree>
     <p:extLst>
       <p:ext uri="{BB962C8B-B14F-4D97-AF65-F5344CB8AC3E}">
-        <p14:creationId xmlns:p14="http://schemas.microsoft.com/office/powerpoint/2010/main" val="587528233"/>
+        <p14:creationId xmlns:p14="http://schemas.microsoft.com/office/powerpoint/2010/main" xmlns="" val="587528233"/>
       </p:ext>
     </p:extLst>
   </p:cSld>
   <p:clrMapOvr>
     <a:masterClrMapping/>
   </p:clrMapOvr>
-  <mc:AlternateContent xmlns:mc="http://schemas.openxmlformats.org/markup-compatibility/2006" xmlns:p14="http://schemas.microsoft.com/office/powerpoint/2010/main">
-    <mc:Choice Requires="p14">
+  <mc:AlternateContent xmlns:mc="http://schemas.openxmlformats.org/markup-compatibility/2006">
+    <mc:Choice xmlns:p14="http://schemas.microsoft.com/office/powerpoint/2010/main" xmlns="" Requires="p14">
       <p:transition p14:dur="10"/>
     </mc:Choice>
-    <mc:Fallback xmlns="">
+    <mc:Fallback>
       <p:transition/>
     </mc:Fallback>
   </mc:AlternateContent>
@@ -8159,11 +8105,7 @@
           <a:p>
             <a:r>
               <a:rPr lang="pl-PL" dirty="0" smtClean="0"/>
-              <a:t>ĆWICZENIE </a:t>
-            </a:r>
-            <a:r>
-              <a:rPr lang="pl-PL" dirty="0" smtClean="0"/>
-              <a:t>2</a:t>
+              <a:t>ĆWICZENIE 2</a:t>
             </a:r>
             <a:endParaRPr lang="de-DE" dirty="0"/>
           </a:p>
@@ -8195,7 +8137,6 @@
               <a:rPr lang="pl-PL" dirty="0" smtClean="0"/>
               <a:t>3 części:</a:t>
             </a:r>
-            <a:endParaRPr lang="pl-PL" dirty="0" smtClean="0"/>
           </a:p>
           <a:p>
             <a:pPr lvl="1"/>
@@ -8253,11 +8194,6 @@
               </a:rPr>
               <a:t>	Problem producentów i konsumentów</a:t>
             </a:r>
-            <a:endParaRPr lang="pl-PL" dirty="0" smtClean="0">
-              <a:solidFill>
-                <a:srgbClr val="00B050"/>
-              </a:solidFill>
-            </a:endParaRPr>
           </a:p>
           <a:p>
             <a:pPr lvl="1"/>
@@ -8268,18 +8204,18 @@
     </p:spTree>
     <p:extLst>
       <p:ext uri="{BB962C8B-B14F-4D97-AF65-F5344CB8AC3E}">
-        <p14:creationId xmlns:p14="http://schemas.microsoft.com/office/powerpoint/2010/main" val="1973328544"/>
+        <p14:creationId xmlns:p14="http://schemas.microsoft.com/office/powerpoint/2010/main" xmlns="" val="1973328544"/>
       </p:ext>
     </p:extLst>
   </p:cSld>
   <p:clrMapOvr>
     <a:masterClrMapping/>
   </p:clrMapOvr>
-  <mc:AlternateContent xmlns:mc="http://schemas.openxmlformats.org/markup-compatibility/2006" xmlns:p14="http://schemas.microsoft.com/office/powerpoint/2010/main">
-    <mc:Choice Requires="p14">
+  <mc:AlternateContent xmlns:mc="http://schemas.openxmlformats.org/markup-compatibility/2006">
+    <mc:Choice xmlns:p14="http://schemas.microsoft.com/office/powerpoint/2010/main" xmlns="" Requires="p14">
       <p:transition p14:dur="0"/>
     </mc:Choice>
-    <mc:Fallback xmlns="">
+    <mc:Fallback>
       <p:transition/>
     </mc:Fallback>
   </mc:AlternateContent>
@@ -8350,11 +8286,7 @@
           <a:p>
             <a:r>
               <a:rPr lang="pl-PL" dirty="0" smtClean="0"/>
-              <a:t>ĆWICZENIE </a:t>
-            </a:r>
-            <a:r>
-              <a:rPr lang="pl-PL" dirty="0" smtClean="0"/>
-              <a:t>2</a:t>
+              <a:t>ĆWICZENIE 2</a:t>
             </a:r>
             <a:endParaRPr lang="de-DE" dirty="0"/>
           </a:p>
@@ -8372,8 +8304,8 @@
         </p:nvSpPr>
         <p:spPr>
           <a:xfrm>
-            <a:off x="443708" y="1119187"/>
-            <a:ext cx="4291652" cy="3362325"/>
+            <a:off x="443707" y="1119187"/>
+            <a:ext cx="5734455" cy="3362325"/>
           </a:xfrm>
         </p:spPr>
         <p:txBody>
@@ -8387,24 +8319,10 @@
               <a:t>Repozytorium git: </a:t>
             </a:r>
             <a:r>
-              <a:rPr lang="pl-PL" dirty="0" smtClean="0">
-                <a:hlinkClick r:id="rId3"/>
-              </a:rPr>
-              <a:t>https</a:t>
-            </a:r>
-            <a:r>
-              <a:rPr lang="pl-PL" dirty="0">
-                <a:hlinkClick r:id="rId3"/>
-              </a:rPr>
-              <a:t>://</a:t>
-            </a:r>
-            <a:r>
-              <a:rPr lang="pl-PL" dirty="0" smtClean="0">
-                <a:hlinkClick r:id="rId3"/>
-              </a:rPr>
-              <a:t>github.com/wdsr/exercise2</a:t>
-            </a:r>
-            <a:endParaRPr lang="pl-PL" dirty="0" smtClean="0"/>
+              <a:rPr lang="pl-PL" u="sng" dirty="0" smtClean="0"/>
+              <a:t>https://github.com/m-kolodziejski/exercise2</a:t>
+            </a:r>
+            <a:endParaRPr lang="pl-PL" u="sng" dirty="0" smtClean="0"/>
           </a:p>
           <a:p>
             <a:pPr lvl="1"/>
@@ -8516,7 +8434,7 @@
           <a:blip r:embed="rId4">
             <a:extLst>
               <a:ext uri="{28A0092B-C50C-407E-A947-70E740481C1C}">
-                <a14:useLocalDpi xmlns:a14="http://schemas.microsoft.com/office/drawing/2010/main" val="0"/>
+                <a14:useLocalDpi xmlns:a14="http://schemas.microsoft.com/office/drawing/2010/main" xmlns="" val="0"/>
               </a:ext>
             </a:extLst>
           </a:blip>
@@ -8527,7 +8445,7 @@
         </p:blipFill>
         <p:spPr bwMode="auto">
           <a:xfrm>
-            <a:off x="4735360" y="1775237"/>
+            <a:off x="4973890" y="1775237"/>
             <a:ext cx="3918410" cy="2165437"/>
           </a:xfrm>
           <a:prstGeom prst="rect">
@@ -8539,14 +8457,14 @@
           </a:ln>
           <a:extLst>
             <a:ext uri="{909E8E84-426E-40DD-AFC4-6F175D3DCCD1}">
-              <a14:hiddenFill xmlns:a14="http://schemas.microsoft.com/office/drawing/2010/main">
+              <a14:hiddenFill xmlns:a14="http://schemas.microsoft.com/office/drawing/2010/main" xmlns="">
                 <a:solidFill>
                   <a:schemeClr val="accent1"/>
                 </a:solidFill>
               </a14:hiddenFill>
             </a:ext>
             <a:ext uri="{91240B29-F687-4F45-9708-019B960494DF}">
-              <a14:hiddenLine xmlns:a14="http://schemas.microsoft.com/office/drawing/2010/main" w="9525">
+              <a14:hiddenLine xmlns:a14="http://schemas.microsoft.com/office/drawing/2010/main" xmlns="" w="9525">
                 <a:solidFill>
                   <a:schemeClr val="tx1"/>
                 </a:solidFill>
@@ -8570,7 +8488,7 @@
           <a:blip r:embed="rId5">
             <a:extLst>
               <a:ext uri="{28A0092B-C50C-407E-A947-70E740481C1C}">
-                <a14:useLocalDpi xmlns:a14="http://schemas.microsoft.com/office/drawing/2010/main" val="0"/>
+                <a14:useLocalDpi xmlns:a14="http://schemas.microsoft.com/office/drawing/2010/main" xmlns="" val="0"/>
               </a:ext>
             </a:extLst>
           </a:blip>
@@ -8581,7 +8499,7 @@
         </p:blipFill>
         <p:spPr bwMode="auto">
           <a:xfrm>
-            <a:off x="3668476" y="1273089"/>
+            <a:off x="3668476" y="1344648"/>
             <a:ext cx="4910138" cy="390525"/>
           </a:xfrm>
           <a:prstGeom prst="rect">
@@ -8593,14 +8511,14 @@
           </a:ln>
           <a:extLst>
             <a:ext uri="{909E8E84-426E-40DD-AFC4-6F175D3DCCD1}">
-              <a14:hiddenFill xmlns:a14="http://schemas.microsoft.com/office/drawing/2010/main">
+              <a14:hiddenFill xmlns:a14="http://schemas.microsoft.com/office/drawing/2010/main" xmlns="">
                 <a:solidFill>
                   <a:schemeClr val="accent1"/>
                 </a:solidFill>
               </a14:hiddenFill>
             </a:ext>
             <a:ext uri="{91240B29-F687-4F45-9708-019B960494DF}">
-              <a14:hiddenLine xmlns:a14="http://schemas.microsoft.com/office/drawing/2010/main" w="9525">
+              <a14:hiddenLine xmlns:a14="http://schemas.microsoft.com/office/drawing/2010/main" xmlns="" w="9525">
                 <a:solidFill>
                   <a:schemeClr val="tx1"/>
                 </a:solidFill>
@@ -8615,18 +8533,18 @@
     </p:spTree>
     <p:extLst>
       <p:ext uri="{BB962C8B-B14F-4D97-AF65-F5344CB8AC3E}">
-        <p14:creationId xmlns:p14="http://schemas.microsoft.com/office/powerpoint/2010/main" val="2411064202"/>
+        <p14:creationId xmlns:p14="http://schemas.microsoft.com/office/powerpoint/2010/main" xmlns="" val="2411064202"/>
       </p:ext>
     </p:extLst>
   </p:cSld>
   <p:clrMapOvr>
     <a:masterClrMapping/>
   </p:clrMapOvr>
-  <mc:AlternateContent xmlns:mc="http://schemas.openxmlformats.org/markup-compatibility/2006" xmlns:p14="http://schemas.microsoft.com/office/powerpoint/2010/main">
-    <mc:Choice Requires="p14">
+  <mc:AlternateContent xmlns:mc="http://schemas.openxmlformats.org/markup-compatibility/2006">
+    <mc:Choice xmlns:p14="http://schemas.microsoft.com/office/powerpoint/2010/main" xmlns="" Requires="p14">
       <p:transition p14:dur="0"/>
     </mc:Choice>
-    <mc:Fallback xmlns="">
+    <mc:Fallback>
       <p:transition/>
     </mc:Fallback>
   </mc:AlternateContent>
@@ -8754,15 +8672,14 @@
                   <a:schemeClr val="tx1"/>
                 </a:solidFill>
               </a:rPr>
-              <a:t>Ćwiczenie </a:t>
-            </a:r>
-            <a:r>
-              <a:rPr lang="pl-PL" sz="1600" dirty="0" smtClean="0">
-                <a:solidFill>
-                  <a:schemeClr val="tx1"/>
-                </a:solidFill>
-              </a:rPr>
-              <a:t>2</a:t>
+              <a:t>Ćwiczenie 2</a:t>
+            </a:r>
+          </a:p>
+          <a:p>
+            <a:pPr algn="ctr"/>
+            <a:r>
+              <a:rPr lang="pl-PL" sz="1600" dirty="0" smtClean="0"/>
+              <a:t>START_THREAD</a:t>
             </a:r>
             <a:endParaRPr lang="pl-PL" sz="1600" dirty="0" smtClean="0">
               <a:solidFill>
@@ -8770,35 +8687,23 @@
               </a:solidFill>
             </a:endParaRPr>
           </a:p>
-          <a:p>
-            <a:pPr algn="ctr"/>
-            <a:r>
-              <a:rPr lang="pl-PL" sz="1600" dirty="0" smtClean="0"/>
-              <a:t>START_THREAD</a:t>
-            </a:r>
-            <a:endParaRPr lang="pl-PL" sz="1600" dirty="0" smtClean="0">
-              <a:solidFill>
-                <a:schemeClr val="tx1"/>
-              </a:solidFill>
-            </a:endParaRPr>
-          </a:p>
         </p:txBody>
       </p:sp>
     </p:spTree>
     <p:extLst>
       <p:ext uri="{BB962C8B-B14F-4D97-AF65-F5344CB8AC3E}">
-        <p14:creationId xmlns:p14="http://schemas.microsoft.com/office/powerpoint/2010/main" val="1022935673"/>
+        <p14:creationId xmlns:p14="http://schemas.microsoft.com/office/powerpoint/2010/main" xmlns="" val="1022935673"/>
       </p:ext>
     </p:extLst>
   </p:cSld>
   <p:clrMapOvr>
     <a:masterClrMapping/>
   </p:clrMapOvr>
-  <mc:AlternateContent xmlns:mc="http://schemas.openxmlformats.org/markup-compatibility/2006" xmlns:p14="http://schemas.microsoft.com/office/powerpoint/2010/main">
-    <mc:Choice Requires="p14">
+  <mc:AlternateContent xmlns:mc="http://schemas.openxmlformats.org/markup-compatibility/2006">
+    <mc:Choice xmlns:p14="http://schemas.microsoft.com/office/powerpoint/2010/main" xmlns="" Requires="p14">
       <p:transition p14:dur="10"/>
     </mc:Choice>
-    <mc:Fallback xmlns="">
+    <mc:Fallback>
       <p:transition/>
     </mc:Fallback>
   </mc:AlternateContent>
@@ -8873,11 +8778,7 @@
           <a:p>
             <a:r>
               <a:rPr lang="pl-PL" dirty="0" smtClean="0"/>
-              <a:t>ĆWICZENIE </a:t>
-            </a:r>
-            <a:r>
-              <a:rPr lang="pl-PL" dirty="0" smtClean="0"/>
-              <a:t>2</a:t>
+              <a:t>ĆWICZENIE 2</a:t>
             </a:r>
             <a:endParaRPr lang="de-DE" dirty="0"/>
           </a:p>
@@ -8997,7 +8898,6 @@
               <a:rPr lang="pl-PL" dirty="0" smtClean="0"/>
               <a:t>).</a:t>
             </a:r>
-            <a:endParaRPr lang="pl-PL" dirty="0" smtClean="0"/>
           </a:p>
           <a:p>
             <a:endParaRPr lang="pl-PL" dirty="0"/>
@@ -9022,7 +8922,7 @@
           <a:blip r:embed="rId4">
             <a:extLst>
               <a:ext uri="{28A0092B-C50C-407E-A947-70E740481C1C}">
-                <a14:useLocalDpi xmlns:a14="http://schemas.microsoft.com/office/drawing/2010/main" val="0"/>
+                <a14:useLocalDpi xmlns:a14="http://schemas.microsoft.com/office/drawing/2010/main" xmlns="" val="0"/>
               </a:ext>
             </a:extLst>
           </a:blip>
@@ -9045,14 +8945,14 @@
           </a:ln>
           <a:extLst>
             <a:ext uri="{909E8E84-426E-40DD-AFC4-6F175D3DCCD1}">
-              <a14:hiddenFill xmlns:a14="http://schemas.microsoft.com/office/drawing/2010/main">
+              <a14:hiddenFill xmlns:a14="http://schemas.microsoft.com/office/drawing/2010/main" xmlns="">
                 <a:solidFill>
                   <a:schemeClr val="accent1"/>
                 </a:solidFill>
               </a14:hiddenFill>
             </a:ext>
             <a:ext uri="{91240B29-F687-4F45-9708-019B960494DF}">
-              <a14:hiddenLine xmlns:a14="http://schemas.microsoft.com/office/drawing/2010/main" w="9525">
+              <a14:hiddenLine xmlns:a14="http://schemas.microsoft.com/office/drawing/2010/main" xmlns="" w="9525">
                 <a:solidFill>
                   <a:schemeClr val="tx1"/>
                 </a:solidFill>
@@ -9076,7 +8976,7 @@
           <a:blip r:embed="rId5">
             <a:extLst>
               <a:ext uri="{28A0092B-C50C-407E-A947-70E740481C1C}">
-                <a14:useLocalDpi xmlns:a14="http://schemas.microsoft.com/office/drawing/2010/main" val="0"/>
+                <a14:useLocalDpi xmlns:a14="http://schemas.microsoft.com/office/drawing/2010/main" xmlns="" val="0"/>
               </a:ext>
             </a:extLst>
           </a:blip>
@@ -9099,14 +8999,14 @@
           </a:ln>
           <a:extLst>
             <a:ext uri="{909E8E84-426E-40DD-AFC4-6F175D3DCCD1}">
-              <a14:hiddenFill xmlns:a14="http://schemas.microsoft.com/office/drawing/2010/main">
+              <a14:hiddenFill xmlns:a14="http://schemas.microsoft.com/office/drawing/2010/main" xmlns="">
                 <a:solidFill>
                   <a:schemeClr val="accent1"/>
                 </a:solidFill>
               </a14:hiddenFill>
             </a:ext>
             <a:ext uri="{91240B29-F687-4F45-9708-019B960494DF}">
-              <a14:hiddenLine xmlns:a14="http://schemas.microsoft.com/office/drawing/2010/main" w="9525">
+              <a14:hiddenLine xmlns:a14="http://schemas.microsoft.com/office/drawing/2010/main" xmlns="" w="9525">
                 <a:solidFill>
                   <a:schemeClr val="tx1"/>
                 </a:solidFill>
@@ -9121,18 +9021,18 @@
     </p:spTree>
     <p:extLst>
       <p:ext uri="{BB962C8B-B14F-4D97-AF65-F5344CB8AC3E}">
-        <p14:creationId xmlns:p14="http://schemas.microsoft.com/office/powerpoint/2010/main" val="1329190289"/>
+        <p14:creationId xmlns:p14="http://schemas.microsoft.com/office/powerpoint/2010/main" xmlns="" val="1329190289"/>
       </p:ext>
     </p:extLst>
   </p:cSld>
   <p:clrMapOvr>
     <a:masterClrMapping/>
   </p:clrMapOvr>
-  <mc:AlternateContent xmlns:mc="http://schemas.openxmlformats.org/markup-compatibility/2006" xmlns:p14="http://schemas.microsoft.com/office/powerpoint/2010/main">
-    <mc:Choice Requires="p14">
+  <mc:AlternateContent xmlns:mc="http://schemas.openxmlformats.org/markup-compatibility/2006">
+    <mc:Choice xmlns:p14="http://schemas.microsoft.com/office/powerpoint/2010/main" xmlns="" Requires="p14">
       <p:transition p14:dur="10"/>
     </mc:Choice>
-    <mc:Fallback xmlns="">
+    <mc:Fallback>
       <p:transition/>
     </mc:Fallback>
   </mc:AlternateContent>
@@ -9207,11 +9107,7 @@
           <a:p>
             <a:r>
               <a:rPr lang="pl-PL" dirty="0" smtClean="0"/>
-              <a:t>ĆWICZENIE </a:t>
-            </a:r>
-            <a:r>
-              <a:rPr lang="pl-PL" dirty="0" smtClean="0"/>
-              <a:t>2</a:t>
+              <a:t>ĆWICZENIE 2</a:t>
             </a:r>
             <a:endParaRPr lang="de-DE" dirty="0"/>
           </a:p>
@@ -9302,18 +9198,18 @@
     </p:spTree>
     <p:extLst>
       <p:ext uri="{BB962C8B-B14F-4D97-AF65-F5344CB8AC3E}">
-        <p14:creationId xmlns:p14="http://schemas.microsoft.com/office/powerpoint/2010/main" val="1424189538"/>
+        <p14:creationId xmlns:p14="http://schemas.microsoft.com/office/powerpoint/2010/main" xmlns="" val="1424189538"/>
       </p:ext>
     </p:extLst>
   </p:cSld>
   <p:clrMapOvr>
     <a:masterClrMapping/>
   </p:clrMapOvr>
-  <mc:AlternateContent xmlns:mc="http://schemas.openxmlformats.org/markup-compatibility/2006" xmlns:p14="http://schemas.microsoft.com/office/powerpoint/2010/main">
-    <mc:Choice Requires="p14">
+  <mc:AlternateContent xmlns:mc="http://schemas.openxmlformats.org/markup-compatibility/2006">
+    <mc:Choice xmlns:p14="http://schemas.microsoft.com/office/powerpoint/2010/main" xmlns="" Requires="p14">
       <p:transition p14:dur="10"/>
     </mc:Choice>
-    <mc:Fallback xmlns="">
+    <mc:Fallback>
       <p:transition/>
     </mc:Fallback>
   </mc:AlternateContent>
@@ -9388,11 +9284,7 @@
           <a:p>
             <a:r>
               <a:rPr lang="pl-PL" dirty="0" smtClean="0"/>
-              <a:t>ĆWICZENIE </a:t>
-            </a:r>
-            <a:r>
-              <a:rPr lang="pl-PL" dirty="0" smtClean="0"/>
-              <a:t>2</a:t>
+              <a:t>ĆWICZENIE 2</a:t>
             </a:r>
             <a:endParaRPr lang="de-DE" dirty="0"/>
           </a:p>
@@ -9410,7 +9302,7 @@
           <a:blip r:embed="rId3">
             <a:extLst>
               <a:ext uri="{28A0092B-C50C-407E-A947-70E740481C1C}">
-                <a14:useLocalDpi xmlns:a14="http://schemas.microsoft.com/office/drawing/2010/main" val="0"/>
+                <a14:useLocalDpi xmlns:a14="http://schemas.microsoft.com/office/drawing/2010/main" xmlns="" val="0"/>
               </a:ext>
             </a:extLst>
           </a:blip>
@@ -9433,14 +9325,14 @@
           </a:ln>
           <a:extLst>
             <a:ext uri="{909E8E84-426E-40DD-AFC4-6F175D3DCCD1}">
-              <a14:hiddenFill xmlns:a14="http://schemas.microsoft.com/office/drawing/2010/main">
+              <a14:hiddenFill xmlns:a14="http://schemas.microsoft.com/office/drawing/2010/main" xmlns="">
                 <a:solidFill>
                   <a:schemeClr val="accent1"/>
                 </a:solidFill>
               </a14:hiddenFill>
             </a:ext>
             <a:ext uri="{91240B29-F687-4F45-9708-019B960494DF}">
-              <a14:hiddenLine xmlns:a14="http://schemas.microsoft.com/office/drawing/2010/main" w="9525">
+              <a14:hiddenLine xmlns:a14="http://schemas.microsoft.com/office/drawing/2010/main" xmlns="" w="9525">
                 <a:solidFill>
                   <a:schemeClr val="tx1"/>
                 </a:solidFill>
@@ -9455,18 +9347,18 @@
     </p:spTree>
     <p:extLst>
       <p:ext uri="{BB962C8B-B14F-4D97-AF65-F5344CB8AC3E}">
-        <p14:creationId xmlns:p14="http://schemas.microsoft.com/office/powerpoint/2010/main" val="1336546276"/>
+        <p14:creationId xmlns:p14="http://schemas.microsoft.com/office/powerpoint/2010/main" xmlns="" val="1336546276"/>
       </p:ext>
     </p:extLst>
   </p:cSld>
   <p:clrMapOvr>
     <a:masterClrMapping/>
   </p:clrMapOvr>
-  <mc:AlternateContent xmlns:mc="http://schemas.openxmlformats.org/markup-compatibility/2006" xmlns:p14="http://schemas.microsoft.com/office/powerpoint/2010/main">
-    <mc:Choice Requires="p14">
+  <mc:AlternateContent xmlns:mc="http://schemas.openxmlformats.org/markup-compatibility/2006">
+    <mc:Choice xmlns:p14="http://schemas.microsoft.com/office/powerpoint/2010/main" xmlns="" Requires="p14">
       <p:transition p14:dur="10"/>
     </mc:Choice>
-    <mc:Fallback xmlns="">
+    <mc:Fallback>
       <p:transition/>
     </mc:Fallback>
   </mc:AlternateContent>
@@ -9541,11 +9433,7 @@
           <a:p>
             <a:r>
               <a:rPr lang="pl-PL" dirty="0" smtClean="0"/>
-              <a:t>ĆWICZENIE </a:t>
-            </a:r>
-            <a:r>
-              <a:rPr lang="pl-PL" dirty="0" smtClean="0"/>
-              <a:t>2</a:t>
+              <a:t>ĆWICZENIE 2</a:t>
             </a:r>
             <a:endParaRPr lang="de-DE" dirty="0"/>
           </a:p>
@@ -9804,7 +9692,6 @@
               <a:rPr lang="pl-PL" dirty="0" smtClean="0"/>
               <a:t>.</a:t>
             </a:r>
-            <a:endParaRPr lang="pl-PL" dirty="0" smtClean="0"/>
           </a:p>
           <a:p>
             <a:pPr marL="523875" lvl="1" indent="-342900"/>
@@ -9832,18 +9719,18 @@
     </p:spTree>
     <p:extLst>
       <p:ext uri="{BB962C8B-B14F-4D97-AF65-F5344CB8AC3E}">
-        <p14:creationId xmlns:p14="http://schemas.microsoft.com/office/powerpoint/2010/main" val="2168196099"/>
+        <p14:creationId xmlns:p14="http://schemas.microsoft.com/office/powerpoint/2010/main" xmlns="" val="2168196099"/>
       </p:ext>
     </p:extLst>
   </p:cSld>
   <p:clrMapOvr>
     <a:masterClrMapping/>
   </p:clrMapOvr>
-  <mc:AlternateContent xmlns:mc="http://schemas.openxmlformats.org/markup-compatibility/2006" xmlns:p14="http://schemas.microsoft.com/office/powerpoint/2010/main">
-    <mc:Choice Requires="p14">
+  <mc:AlternateContent xmlns:mc="http://schemas.openxmlformats.org/markup-compatibility/2006">
+    <mc:Choice xmlns:p14="http://schemas.microsoft.com/office/powerpoint/2010/main" xmlns="" Requires="p14">
       <p:transition p14:dur="10"/>
     </mc:Choice>
-    <mc:Fallback xmlns="">
+    <mc:Fallback>
       <p:transition/>
     </mc:Fallback>
   </mc:AlternateContent>
@@ -9966,7 +9853,6 @@
               <a:rPr lang="pl-PL" dirty="0" smtClean="0"/>
               <a:t>.</a:t>
             </a:r>
-            <a:endParaRPr lang="pl-PL" dirty="0" smtClean="0"/>
           </a:p>
           <a:p>
             <a:pPr lvl="2"/>
@@ -10067,25 +9953,24 @@
               <a:rPr lang="pl-PL" sz="900" dirty="0" smtClean="0"/>
               <a:t>l</a:t>
             </a:r>
-            <a:endParaRPr lang="pl-PL" sz="900" dirty="0" smtClean="0"/>
           </a:p>
         </p:txBody>
       </p:sp>
     </p:spTree>
     <p:extLst>
       <p:ext uri="{BB962C8B-B14F-4D97-AF65-F5344CB8AC3E}">
-        <p14:creationId xmlns:p14="http://schemas.microsoft.com/office/powerpoint/2010/main" val="1111767825"/>
+        <p14:creationId xmlns:p14="http://schemas.microsoft.com/office/powerpoint/2010/main" xmlns="" val="1111767825"/>
       </p:ext>
     </p:extLst>
   </p:cSld>
   <p:clrMapOvr>
     <a:masterClrMapping/>
   </p:clrMapOvr>
-  <mc:AlternateContent xmlns:mc="http://schemas.openxmlformats.org/markup-compatibility/2006" xmlns:p14="http://schemas.microsoft.com/office/powerpoint/2010/main">
-    <mc:Choice Requires="p14">
+  <mc:AlternateContent xmlns:mc="http://schemas.openxmlformats.org/markup-compatibility/2006">
+    <mc:Choice xmlns:p14="http://schemas.microsoft.com/office/powerpoint/2010/main" xmlns="" Requires="p14">
       <p:transition p14:dur="0"/>
     </mc:Choice>
-    <mc:Fallback xmlns="">
+    <mc:Fallback>
       <p:transition/>
     </mc:Fallback>
   </mc:AlternateContent>
@@ -10312,11 +10197,7 @@
           <a:p>
             <a:r>
               <a:rPr lang="pl-PL" dirty="0" smtClean="0"/>
-              <a:t>ĆWICZENIE </a:t>
-            </a:r>
-            <a:r>
-              <a:rPr lang="pl-PL" dirty="0" smtClean="0"/>
-              <a:t>2</a:t>
+              <a:t>ĆWICZENIE 2</a:t>
             </a:r>
             <a:endParaRPr lang="de-DE" dirty="0"/>
           </a:p>
@@ -10450,18 +10331,18 @@
     </p:spTree>
     <p:extLst>
       <p:ext uri="{BB962C8B-B14F-4D97-AF65-F5344CB8AC3E}">
-        <p14:creationId xmlns:p14="http://schemas.microsoft.com/office/powerpoint/2010/main" val="3217198566"/>
+        <p14:creationId xmlns:p14="http://schemas.microsoft.com/office/powerpoint/2010/main" xmlns="" val="3217198566"/>
       </p:ext>
     </p:extLst>
   </p:cSld>
   <p:clrMapOvr>
     <a:masterClrMapping/>
   </p:clrMapOvr>
-  <mc:AlternateContent xmlns:mc="http://schemas.openxmlformats.org/markup-compatibility/2006" xmlns:p14="http://schemas.microsoft.com/office/powerpoint/2010/main">
-    <mc:Choice Requires="p14">
+  <mc:AlternateContent xmlns:mc="http://schemas.openxmlformats.org/markup-compatibility/2006">
+    <mc:Choice xmlns:p14="http://schemas.microsoft.com/office/powerpoint/2010/main" xmlns="" Requires="p14">
       <p:transition p14:dur="10"/>
     </mc:Choice>
-    <mc:Fallback xmlns="">
+    <mc:Fallback>
       <p:transition/>
     </mc:Fallback>
   </mc:AlternateContent>
@@ -10536,11 +10417,7 @@
           <a:p>
             <a:r>
               <a:rPr lang="pl-PL" dirty="0" smtClean="0"/>
-              <a:t>ĆWICZENIE </a:t>
-            </a:r>
-            <a:r>
-              <a:rPr lang="pl-PL" dirty="0" smtClean="0"/>
-              <a:t>2</a:t>
+              <a:t>ĆWICZENIE 2</a:t>
             </a:r>
             <a:endParaRPr lang="de-DE" dirty="0"/>
           </a:p>
@@ -10724,7 +10601,7 @@
           <a:blip r:embed="rId3">
             <a:extLst>
               <a:ext uri="{28A0092B-C50C-407E-A947-70E740481C1C}">
-                <a14:useLocalDpi xmlns:a14="http://schemas.microsoft.com/office/drawing/2010/main" val="0"/>
+                <a14:useLocalDpi xmlns:a14="http://schemas.microsoft.com/office/drawing/2010/main" xmlns="" val="0"/>
               </a:ext>
             </a:extLst>
           </a:blip>
@@ -10747,14 +10624,14 @@
           </a:ln>
           <a:extLst>
             <a:ext uri="{909E8E84-426E-40DD-AFC4-6F175D3DCCD1}">
-              <a14:hiddenFill xmlns:a14="http://schemas.microsoft.com/office/drawing/2010/main">
+              <a14:hiddenFill xmlns:a14="http://schemas.microsoft.com/office/drawing/2010/main" xmlns="">
                 <a:solidFill>
                   <a:schemeClr val="accent1"/>
                 </a:solidFill>
               </a14:hiddenFill>
             </a:ext>
             <a:ext uri="{91240B29-F687-4F45-9708-019B960494DF}">
-              <a14:hiddenLine xmlns:a14="http://schemas.microsoft.com/office/drawing/2010/main" w="9525">
+              <a14:hiddenLine xmlns:a14="http://schemas.microsoft.com/office/drawing/2010/main" xmlns="" w="9525">
                 <a:solidFill>
                   <a:schemeClr val="tx1"/>
                 </a:solidFill>
@@ -10769,18 +10646,18 @@
     </p:spTree>
     <p:extLst>
       <p:ext uri="{BB962C8B-B14F-4D97-AF65-F5344CB8AC3E}">
-        <p14:creationId xmlns:p14="http://schemas.microsoft.com/office/powerpoint/2010/main" val="883308664"/>
+        <p14:creationId xmlns:p14="http://schemas.microsoft.com/office/powerpoint/2010/main" xmlns="" val="883308664"/>
       </p:ext>
     </p:extLst>
   </p:cSld>
   <p:clrMapOvr>
     <a:masterClrMapping/>
   </p:clrMapOvr>
-  <mc:AlternateContent xmlns:mc="http://schemas.openxmlformats.org/markup-compatibility/2006" xmlns:p14="http://schemas.microsoft.com/office/powerpoint/2010/main">
-    <mc:Choice Requires="p14">
+  <mc:AlternateContent xmlns:mc="http://schemas.openxmlformats.org/markup-compatibility/2006">
+    <mc:Choice xmlns:p14="http://schemas.microsoft.com/office/powerpoint/2010/main" xmlns="" Requires="p14">
       <p:transition p14:dur="10"/>
     </mc:Choice>
-    <mc:Fallback xmlns="">
+    <mc:Fallback>
       <p:transition/>
     </mc:Fallback>
   </mc:AlternateContent>
@@ -10908,15 +10785,14 @@
                   <a:schemeClr val="tx1"/>
                 </a:solidFill>
               </a:rPr>
-              <a:t>Ćwiczenie </a:t>
-            </a:r>
-            <a:r>
-              <a:rPr lang="pl-PL" sz="1600" dirty="0" smtClean="0">
-                <a:solidFill>
-                  <a:schemeClr val="tx1"/>
-                </a:solidFill>
-              </a:rPr>
-              <a:t>2</a:t>
+              <a:t>Ćwiczenie 2</a:t>
+            </a:r>
+          </a:p>
+          <a:p>
+            <a:pPr algn="ctr"/>
+            <a:r>
+              <a:rPr lang="pl-PL" sz="1600" dirty="0" smtClean="0"/>
+              <a:t>COUNTER</a:t>
             </a:r>
             <a:endParaRPr lang="pl-PL" sz="1600" dirty="0" smtClean="0">
               <a:solidFill>
@@ -10924,35 +10800,23 @@
               </a:solidFill>
             </a:endParaRPr>
           </a:p>
-          <a:p>
-            <a:pPr algn="ctr"/>
-            <a:r>
-              <a:rPr lang="pl-PL" sz="1600" dirty="0" smtClean="0"/>
-              <a:t>COUNTER</a:t>
-            </a:r>
-            <a:endParaRPr lang="pl-PL" sz="1600" dirty="0" smtClean="0">
-              <a:solidFill>
-                <a:schemeClr val="tx1"/>
-              </a:solidFill>
-            </a:endParaRPr>
-          </a:p>
         </p:txBody>
       </p:sp>
     </p:spTree>
     <p:extLst>
       <p:ext uri="{BB962C8B-B14F-4D97-AF65-F5344CB8AC3E}">
-        <p14:creationId xmlns:p14="http://schemas.microsoft.com/office/powerpoint/2010/main" val="3303235470"/>
+        <p14:creationId xmlns:p14="http://schemas.microsoft.com/office/powerpoint/2010/main" xmlns="" val="3303235470"/>
       </p:ext>
     </p:extLst>
   </p:cSld>
   <p:clrMapOvr>
     <a:masterClrMapping/>
   </p:clrMapOvr>
-  <mc:AlternateContent xmlns:mc="http://schemas.openxmlformats.org/markup-compatibility/2006" xmlns:p14="http://schemas.microsoft.com/office/powerpoint/2010/main">
-    <mc:Choice Requires="p14">
+  <mc:AlternateContent xmlns:mc="http://schemas.openxmlformats.org/markup-compatibility/2006">
+    <mc:Choice xmlns:p14="http://schemas.microsoft.com/office/powerpoint/2010/main" xmlns="" Requires="p14">
       <p:transition p14:dur="10"/>
     </mc:Choice>
-    <mc:Fallback xmlns="">
+    <mc:Fallback>
       <p:transition/>
     </mc:Fallback>
   </mc:AlternateContent>
@@ -11027,11 +10891,7 @@
           <a:p>
             <a:r>
               <a:rPr lang="pl-PL" dirty="0" smtClean="0"/>
-              <a:t>ĆWICZENIE </a:t>
-            </a:r>
-            <a:r>
-              <a:rPr lang="pl-PL" dirty="0" smtClean="0"/>
-              <a:t>2</a:t>
+              <a:t>ĆWICZENIE 2</a:t>
             </a:r>
             <a:endParaRPr lang="de-DE" dirty="0"/>
           </a:p>
@@ -11165,7 +11025,7 @@
           <a:blip r:embed="rId3">
             <a:extLst>
               <a:ext uri="{28A0092B-C50C-407E-A947-70E740481C1C}">
-                <a14:useLocalDpi xmlns:a14="http://schemas.microsoft.com/office/drawing/2010/main" val="0"/>
+                <a14:useLocalDpi xmlns:a14="http://schemas.microsoft.com/office/drawing/2010/main" xmlns="" val="0"/>
               </a:ext>
             </a:extLst>
           </a:blip>
@@ -11188,14 +11048,14 @@
           </a:ln>
           <a:extLst>
             <a:ext uri="{909E8E84-426E-40DD-AFC4-6F175D3DCCD1}">
-              <a14:hiddenFill xmlns:a14="http://schemas.microsoft.com/office/drawing/2010/main">
+              <a14:hiddenFill xmlns:a14="http://schemas.microsoft.com/office/drawing/2010/main" xmlns="">
                 <a:solidFill>
                   <a:schemeClr val="accent1"/>
                 </a:solidFill>
               </a14:hiddenFill>
             </a:ext>
             <a:ext uri="{91240B29-F687-4F45-9708-019B960494DF}">
-              <a14:hiddenLine xmlns:a14="http://schemas.microsoft.com/office/drawing/2010/main" w="9525">
+              <a14:hiddenLine xmlns:a14="http://schemas.microsoft.com/office/drawing/2010/main" xmlns="" w="9525">
                 <a:solidFill>
                   <a:schemeClr val="tx1"/>
                 </a:solidFill>
@@ -11219,7 +11079,7 @@
           <a:blip r:embed="rId4">
             <a:extLst>
               <a:ext uri="{28A0092B-C50C-407E-A947-70E740481C1C}">
-                <a14:useLocalDpi xmlns:a14="http://schemas.microsoft.com/office/drawing/2010/main" val="0"/>
+                <a14:useLocalDpi xmlns:a14="http://schemas.microsoft.com/office/drawing/2010/main" xmlns="" val="0"/>
               </a:ext>
             </a:extLst>
           </a:blip>
@@ -11242,14 +11102,14 @@
           </a:ln>
           <a:extLst>
             <a:ext uri="{909E8E84-426E-40DD-AFC4-6F175D3DCCD1}">
-              <a14:hiddenFill xmlns:a14="http://schemas.microsoft.com/office/drawing/2010/main">
+              <a14:hiddenFill xmlns:a14="http://schemas.microsoft.com/office/drawing/2010/main" xmlns="">
                 <a:solidFill>
                   <a:schemeClr val="accent1"/>
                 </a:solidFill>
               </a14:hiddenFill>
             </a:ext>
             <a:ext uri="{91240B29-F687-4F45-9708-019B960494DF}">
-              <a14:hiddenLine xmlns:a14="http://schemas.microsoft.com/office/drawing/2010/main" w="9525">
+              <a14:hiddenLine xmlns:a14="http://schemas.microsoft.com/office/drawing/2010/main" xmlns="" w="9525">
                 <a:solidFill>
                   <a:schemeClr val="tx1"/>
                 </a:solidFill>
@@ -11264,18 +11124,18 @@
     </p:spTree>
     <p:extLst>
       <p:ext uri="{BB962C8B-B14F-4D97-AF65-F5344CB8AC3E}">
-        <p14:creationId xmlns:p14="http://schemas.microsoft.com/office/powerpoint/2010/main" val="1541833956"/>
+        <p14:creationId xmlns:p14="http://schemas.microsoft.com/office/powerpoint/2010/main" xmlns="" val="1541833956"/>
       </p:ext>
     </p:extLst>
   </p:cSld>
   <p:clrMapOvr>
     <a:masterClrMapping/>
   </p:clrMapOvr>
-  <mc:AlternateContent xmlns:mc="http://schemas.openxmlformats.org/markup-compatibility/2006" xmlns:p14="http://schemas.microsoft.com/office/powerpoint/2010/main">
-    <mc:Choice Requires="p14">
+  <mc:AlternateContent xmlns:mc="http://schemas.openxmlformats.org/markup-compatibility/2006">
+    <mc:Choice xmlns:p14="http://schemas.microsoft.com/office/powerpoint/2010/main" xmlns="" Requires="p14">
       <p:transition p14:dur="10"/>
     </mc:Choice>
-    <mc:Fallback xmlns="">
+    <mc:Fallback>
       <p:transition/>
     </mc:Fallback>
   </mc:AlternateContent>
@@ -11350,11 +11210,7 @@
           <a:p>
             <a:r>
               <a:rPr lang="pl-PL" dirty="0" smtClean="0"/>
-              <a:t>ĆWICZENIE </a:t>
-            </a:r>
-            <a:r>
-              <a:rPr lang="pl-PL" dirty="0" smtClean="0"/>
-              <a:t>2</a:t>
+              <a:t>ĆWICZENIE 2</a:t>
             </a:r>
             <a:endParaRPr lang="de-DE" dirty="0"/>
           </a:p>
@@ -11445,18 +11301,18 @@
     </p:spTree>
     <p:extLst>
       <p:ext uri="{BB962C8B-B14F-4D97-AF65-F5344CB8AC3E}">
-        <p14:creationId xmlns:p14="http://schemas.microsoft.com/office/powerpoint/2010/main" val="1329462215"/>
+        <p14:creationId xmlns:p14="http://schemas.microsoft.com/office/powerpoint/2010/main" xmlns="" val="1329462215"/>
       </p:ext>
     </p:extLst>
   </p:cSld>
   <p:clrMapOvr>
     <a:masterClrMapping/>
   </p:clrMapOvr>
-  <mc:AlternateContent xmlns:mc="http://schemas.openxmlformats.org/markup-compatibility/2006" xmlns:p14="http://schemas.microsoft.com/office/powerpoint/2010/main">
-    <mc:Choice Requires="p14">
+  <mc:AlternateContent xmlns:mc="http://schemas.openxmlformats.org/markup-compatibility/2006">
+    <mc:Choice xmlns:p14="http://schemas.microsoft.com/office/powerpoint/2010/main" xmlns="" Requires="p14">
       <p:transition p14:dur="10"/>
     </mc:Choice>
-    <mc:Fallback xmlns="">
+    <mc:Fallback>
       <p:transition/>
     </mc:Fallback>
   </mc:AlternateContent>
@@ -11531,11 +11387,7 @@
           <a:p>
             <a:r>
               <a:rPr lang="pl-PL" dirty="0" smtClean="0"/>
-              <a:t>ĆWICZENIE </a:t>
-            </a:r>
-            <a:r>
-              <a:rPr lang="pl-PL" dirty="0" smtClean="0"/>
-              <a:t>2</a:t>
+              <a:t>ĆWICZENIE 2</a:t>
             </a:r>
             <a:endParaRPr lang="de-DE" dirty="0"/>
           </a:p>
@@ -11553,7 +11405,7 @@
           <a:blip r:embed="rId3">
             <a:extLst>
               <a:ext uri="{28A0092B-C50C-407E-A947-70E740481C1C}">
-                <a14:useLocalDpi xmlns:a14="http://schemas.microsoft.com/office/drawing/2010/main" val="0"/>
+                <a14:useLocalDpi xmlns:a14="http://schemas.microsoft.com/office/drawing/2010/main" xmlns="" val="0"/>
               </a:ext>
             </a:extLst>
           </a:blip>
@@ -11576,14 +11428,14 @@
           </a:ln>
           <a:extLst>
             <a:ext uri="{909E8E84-426E-40DD-AFC4-6F175D3DCCD1}">
-              <a14:hiddenFill xmlns:a14="http://schemas.microsoft.com/office/drawing/2010/main">
+              <a14:hiddenFill xmlns:a14="http://schemas.microsoft.com/office/drawing/2010/main" xmlns="">
                 <a:solidFill>
                   <a:schemeClr val="accent1"/>
                 </a:solidFill>
               </a14:hiddenFill>
             </a:ext>
             <a:ext uri="{91240B29-F687-4F45-9708-019B960494DF}">
-              <a14:hiddenLine xmlns:a14="http://schemas.microsoft.com/office/drawing/2010/main" w="9525">
+              <a14:hiddenLine xmlns:a14="http://schemas.microsoft.com/office/drawing/2010/main" xmlns="" w="9525">
                 <a:solidFill>
                   <a:schemeClr val="tx1"/>
                 </a:solidFill>
@@ -11598,18 +11450,18 @@
     </p:spTree>
     <p:extLst>
       <p:ext uri="{BB962C8B-B14F-4D97-AF65-F5344CB8AC3E}">
-        <p14:creationId xmlns:p14="http://schemas.microsoft.com/office/powerpoint/2010/main" val="709350157"/>
+        <p14:creationId xmlns:p14="http://schemas.microsoft.com/office/powerpoint/2010/main" xmlns="" val="709350157"/>
       </p:ext>
     </p:extLst>
   </p:cSld>
   <p:clrMapOvr>
     <a:masterClrMapping/>
   </p:clrMapOvr>
-  <mc:AlternateContent xmlns:mc="http://schemas.openxmlformats.org/markup-compatibility/2006" xmlns:p14="http://schemas.microsoft.com/office/powerpoint/2010/main">
-    <mc:Choice Requires="p14">
+  <mc:AlternateContent xmlns:mc="http://schemas.openxmlformats.org/markup-compatibility/2006">
+    <mc:Choice xmlns:p14="http://schemas.microsoft.com/office/powerpoint/2010/main" xmlns="" Requires="p14">
       <p:transition p14:dur="10"/>
     </mc:Choice>
-    <mc:Fallback xmlns="">
+    <mc:Fallback>
       <p:transition/>
     </mc:Fallback>
   </mc:AlternateContent>
@@ -11684,11 +11536,7 @@
           <a:p>
             <a:r>
               <a:rPr lang="pl-PL" dirty="0" smtClean="0"/>
-              <a:t>ĆWICZENIE </a:t>
-            </a:r>
-            <a:r>
-              <a:rPr lang="pl-PL" dirty="0" smtClean="0"/>
-              <a:t>2</a:t>
+              <a:t>ĆWICZENIE 2</a:t>
             </a:r>
             <a:endParaRPr lang="de-DE" dirty="0"/>
           </a:p>
@@ -11864,18 +11712,18 @@
     </p:spTree>
     <p:extLst>
       <p:ext uri="{BB962C8B-B14F-4D97-AF65-F5344CB8AC3E}">
-        <p14:creationId xmlns:p14="http://schemas.microsoft.com/office/powerpoint/2010/main" val="519334670"/>
+        <p14:creationId xmlns:p14="http://schemas.microsoft.com/office/powerpoint/2010/main" xmlns="" val="519334670"/>
       </p:ext>
     </p:extLst>
   </p:cSld>
   <p:clrMapOvr>
     <a:masterClrMapping/>
   </p:clrMapOvr>
-  <mc:AlternateContent xmlns:mc="http://schemas.openxmlformats.org/markup-compatibility/2006" xmlns:p14="http://schemas.microsoft.com/office/powerpoint/2010/main">
-    <mc:Choice Requires="p14">
+  <mc:AlternateContent xmlns:mc="http://schemas.openxmlformats.org/markup-compatibility/2006">
+    <mc:Choice xmlns:p14="http://schemas.microsoft.com/office/powerpoint/2010/main" xmlns="" Requires="p14">
       <p:transition p14:dur="10"/>
     </mc:Choice>
-    <mc:Fallback xmlns="">
+    <mc:Fallback>
       <p:transition/>
     </mc:Fallback>
   </mc:AlternateContent>
@@ -11950,11 +11798,7 @@
           <a:p>
             <a:r>
               <a:rPr lang="pl-PL" dirty="0" smtClean="0"/>
-              <a:t>ĆWICZENIE </a:t>
-            </a:r>
-            <a:r>
-              <a:rPr lang="pl-PL" dirty="0" smtClean="0"/>
-              <a:t>2</a:t>
+              <a:t>ĆWICZENIE 2</a:t>
             </a:r>
             <a:endParaRPr lang="de-DE" dirty="0"/>
           </a:p>
@@ -12226,18 +12070,18 @@
     </p:spTree>
     <p:extLst>
       <p:ext uri="{BB962C8B-B14F-4D97-AF65-F5344CB8AC3E}">
-        <p14:creationId xmlns:p14="http://schemas.microsoft.com/office/powerpoint/2010/main" val="1468513516"/>
+        <p14:creationId xmlns:p14="http://schemas.microsoft.com/office/powerpoint/2010/main" xmlns="" val="1468513516"/>
       </p:ext>
     </p:extLst>
   </p:cSld>
   <p:clrMapOvr>
     <a:masterClrMapping/>
   </p:clrMapOvr>
-  <mc:AlternateContent xmlns:mc="http://schemas.openxmlformats.org/markup-compatibility/2006" xmlns:p14="http://schemas.microsoft.com/office/powerpoint/2010/main">
-    <mc:Choice Requires="p14">
+  <mc:AlternateContent xmlns:mc="http://schemas.openxmlformats.org/markup-compatibility/2006">
+    <mc:Choice xmlns:p14="http://schemas.microsoft.com/office/powerpoint/2010/main" xmlns="" Requires="p14">
       <p:transition p14:dur="10"/>
     </mc:Choice>
-    <mc:Fallback xmlns="">
+    <mc:Fallback>
       <p:transition/>
     </mc:Fallback>
   </mc:AlternateContent>
@@ -12312,11 +12156,7 @@
           <a:p>
             <a:r>
               <a:rPr lang="pl-PL" dirty="0" smtClean="0"/>
-              <a:t>ĆWICZENIE </a:t>
-            </a:r>
-            <a:r>
-              <a:rPr lang="pl-PL" dirty="0" smtClean="0"/>
-              <a:t>2</a:t>
+              <a:t>ĆWICZENIE 2</a:t>
             </a:r>
             <a:endParaRPr lang="de-DE" dirty="0"/>
           </a:p>
@@ -12498,18 +12338,18 @@
     </p:spTree>
     <p:extLst>
       <p:ext uri="{BB962C8B-B14F-4D97-AF65-F5344CB8AC3E}">
-        <p14:creationId xmlns:p14="http://schemas.microsoft.com/office/powerpoint/2010/main" val="3761715432"/>
+        <p14:creationId xmlns:p14="http://schemas.microsoft.com/office/powerpoint/2010/main" xmlns="" val="3761715432"/>
       </p:ext>
     </p:extLst>
   </p:cSld>
   <p:clrMapOvr>
     <a:masterClrMapping/>
   </p:clrMapOvr>
-  <mc:AlternateContent xmlns:mc="http://schemas.openxmlformats.org/markup-compatibility/2006" xmlns:p14="http://schemas.microsoft.com/office/powerpoint/2010/main">
-    <mc:Choice Requires="p14">
+  <mc:AlternateContent xmlns:mc="http://schemas.openxmlformats.org/markup-compatibility/2006">
+    <mc:Choice xmlns:p14="http://schemas.microsoft.com/office/powerpoint/2010/main" xmlns="" Requires="p14">
       <p:transition p14:dur="10"/>
     </mc:Choice>
-    <mc:Fallback xmlns="">
+    <mc:Fallback>
       <p:transition/>
     </mc:Fallback>
   </mc:AlternateContent>
@@ -12584,11 +12424,7 @@
           <a:p>
             <a:r>
               <a:rPr lang="pl-PL" dirty="0" smtClean="0"/>
-              <a:t>ĆWICZENIE </a:t>
-            </a:r>
-            <a:r>
-              <a:rPr lang="pl-PL" dirty="0" smtClean="0"/>
-              <a:t>2</a:t>
+              <a:t>ĆWICZENIE 2</a:t>
             </a:r>
             <a:endParaRPr lang="de-DE" dirty="0"/>
           </a:p>
@@ -12675,7 +12511,6 @@
               <a:rPr lang="pl-PL" dirty="0" smtClean="0"/>
               <a:t> (i podobne) udostępniają operacje modyfikujące zawartość pamięci jako operacje niepodzielne, które mogą być bezpiecznie używane przez wiele wątków bez potrzeby dodatkowej synchronizacji.</a:t>
             </a:r>
-            <a:endParaRPr lang="pl-PL" dirty="0" smtClean="0"/>
           </a:p>
           <a:p>
             <a:pPr lvl="1"/>
@@ -12741,18 +12576,18 @@
     </p:spTree>
     <p:extLst>
       <p:ext uri="{BB962C8B-B14F-4D97-AF65-F5344CB8AC3E}">
-        <p14:creationId xmlns:p14="http://schemas.microsoft.com/office/powerpoint/2010/main" val="170992427"/>
+        <p14:creationId xmlns:p14="http://schemas.microsoft.com/office/powerpoint/2010/main" xmlns="" val="170992427"/>
       </p:ext>
     </p:extLst>
   </p:cSld>
   <p:clrMapOvr>
     <a:masterClrMapping/>
   </p:clrMapOvr>
-  <mc:AlternateContent xmlns:mc="http://schemas.openxmlformats.org/markup-compatibility/2006" xmlns:p14="http://schemas.microsoft.com/office/powerpoint/2010/main">
-    <mc:Choice Requires="p14">
+  <mc:AlternateContent xmlns:mc="http://schemas.openxmlformats.org/markup-compatibility/2006">
+    <mc:Choice xmlns:p14="http://schemas.microsoft.com/office/powerpoint/2010/main" xmlns="" Requires="p14">
       <p:transition p14:dur="10"/>
     </mc:Choice>
-    <mc:Fallback xmlns="">
+    <mc:Fallback>
       <p:transition/>
     </mc:Fallback>
   </mc:AlternateContent>
@@ -12898,25 +12733,24 @@
               <a:rPr lang="pl-PL" dirty="0" smtClean="0"/>
               <a:t>Systemy rozproszone pozwalają na korzystanie z zasobów danego komputera przez więcej niż jednego użytkownika.</a:t>
             </a:r>
-            <a:endParaRPr lang="pl-PL" dirty="0" smtClean="0"/>
           </a:p>
         </p:txBody>
       </p:sp>
     </p:spTree>
     <p:extLst>
       <p:ext uri="{BB962C8B-B14F-4D97-AF65-F5344CB8AC3E}">
-        <p14:creationId xmlns:p14="http://schemas.microsoft.com/office/powerpoint/2010/main" val="2726714817"/>
+        <p14:creationId xmlns:p14="http://schemas.microsoft.com/office/powerpoint/2010/main" xmlns="" val="2726714817"/>
       </p:ext>
     </p:extLst>
   </p:cSld>
   <p:clrMapOvr>
     <a:masterClrMapping/>
   </p:clrMapOvr>
-  <mc:AlternateContent xmlns:mc="http://schemas.openxmlformats.org/markup-compatibility/2006" xmlns:p14="http://schemas.microsoft.com/office/powerpoint/2010/main">
-    <mc:Choice Requires="p14">
+  <mc:AlternateContent xmlns:mc="http://schemas.openxmlformats.org/markup-compatibility/2006">
+    <mc:Choice xmlns:p14="http://schemas.microsoft.com/office/powerpoint/2010/main" xmlns="" Requires="p14">
       <p:transition p14:dur="0"/>
     </mc:Choice>
-    <mc:Fallback xmlns="">
+    <mc:Fallback>
       <p:transition/>
     </mc:Fallback>
   </mc:AlternateContent>
@@ -13223,11 +13057,7 @@
           <a:p>
             <a:r>
               <a:rPr lang="pl-PL" dirty="0" smtClean="0"/>
-              <a:t>ĆWICZENIE </a:t>
-            </a:r>
-            <a:r>
-              <a:rPr lang="pl-PL" dirty="0" smtClean="0"/>
-              <a:t>2</a:t>
+              <a:t>ĆWICZENIE 2</a:t>
             </a:r>
             <a:endParaRPr lang="de-DE" dirty="0"/>
           </a:p>
@@ -13402,18 +13232,18 @@
     </p:spTree>
     <p:extLst>
       <p:ext uri="{BB962C8B-B14F-4D97-AF65-F5344CB8AC3E}">
-        <p14:creationId xmlns:p14="http://schemas.microsoft.com/office/powerpoint/2010/main" val="2207476031"/>
+        <p14:creationId xmlns:p14="http://schemas.microsoft.com/office/powerpoint/2010/main" xmlns="" val="2207476031"/>
       </p:ext>
     </p:extLst>
   </p:cSld>
   <p:clrMapOvr>
     <a:masterClrMapping/>
   </p:clrMapOvr>
-  <mc:AlternateContent xmlns:mc="http://schemas.openxmlformats.org/markup-compatibility/2006" xmlns:p14="http://schemas.microsoft.com/office/powerpoint/2010/main">
-    <mc:Choice Requires="p14">
+  <mc:AlternateContent xmlns:mc="http://schemas.openxmlformats.org/markup-compatibility/2006">
+    <mc:Choice xmlns:p14="http://schemas.microsoft.com/office/powerpoint/2010/main" xmlns="" Requires="p14">
       <p:transition p14:dur="10"/>
     </mc:Choice>
-    <mc:Fallback xmlns="">
+    <mc:Fallback>
       <p:transition/>
     </mc:Fallback>
   </mc:AlternateContent>
@@ -13541,15 +13371,14 @@
                   <a:schemeClr val="tx1"/>
                 </a:solidFill>
               </a:rPr>
-              <a:t>Ćwiczenie </a:t>
-            </a:r>
-            <a:r>
-              <a:rPr lang="pl-PL" sz="1600" dirty="0" smtClean="0">
-                <a:solidFill>
-                  <a:schemeClr val="tx1"/>
-                </a:solidFill>
-              </a:rPr>
-              <a:t>2</a:t>
+              <a:t>Ćwiczenie 2</a:t>
+            </a:r>
+          </a:p>
+          <a:p>
+            <a:pPr algn="ctr"/>
+            <a:r>
+              <a:rPr lang="pl-PL" sz="1600" dirty="0" smtClean="0"/>
+              <a:t>PROCON</a:t>
             </a:r>
             <a:endParaRPr lang="pl-PL" sz="1600" dirty="0" smtClean="0">
               <a:solidFill>
@@ -13557,35 +13386,23 @@
               </a:solidFill>
             </a:endParaRPr>
           </a:p>
-          <a:p>
-            <a:pPr algn="ctr"/>
-            <a:r>
-              <a:rPr lang="pl-PL" sz="1600" dirty="0" smtClean="0"/>
-              <a:t>PROCON</a:t>
-            </a:r>
-            <a:endParaRPr lang="pl-PL" sz="1600" dirty="0" smtClean="0">
-              <a:solidFill>
-                <a:schemeClr val="tx1"/>
-              </a:solidFill>
-            </a:endParaRPr>
-          </a:p>
         </p:txBody>
       </p:sp>
     </p:spTree>
     <p:extLst>
       <p:ext uri="{BB962C8B-B14F-4D97-AF65-F5344CB8AC3E}">
-        <p14:creationId xmlns:p14="http://schemas.microsoft.com/office/powerpoint/2010/main" val="720694701"/>
+        <p14:creationId xmlns:p14="http://schemas.microsoft.com/office/powerpoint/2010/main" xmlns="" val="720694701"/>
       </p:ext>
     </p:extLst>
   </p:cSld>
   <p:clrMapOvr>
     <a:masterClrMapping/>
   </p:clrMapOvr>
-  <mc:AlternateContent xmlns:mc="http://schemas.openxmlformats.org/markup-compatibility/2006" xmlns:p14="http://schemas.microsoft.com/office/powerpoint/2010/main">
-    <mc:Choice Requires="p14">
+  <mc:AlternateContent xmlns:mc="http://schemas.openxmlformats.org/markup-compatibility/2006">
+    <mc:Choice xmlns:p14="http://schemas.microsoft.com/office/powerpoint/2010/main" xmlns="" Requires="p14">
       <p:transition p14:dur="10"/>
     </mc:Choice>
-    <mc:Fallback xmlns="">
+    <mc:Fallback>
       <p:transition/>
     </mc:Fallback>
   </mc:AlternateContent>
@@ -13660,11 +13477,7 @@
           <a:p>
             <a:r>
               <a:rPr lang="pl-PL" dirty="0" smtClean="0"/>
-              <a:t>ĆWICZENIE </a:t>
-            </a:r>
-            <a:r>
-              <a:rPr lang="pl-PL" dirty="0" smtClean="0"/>
-              <a:t>2</a:t>
+              <a:t>ĆWICZENIE 2</a:t>
             </a:r>
             <a:endParaRPr lang="de-DE" dirty="0"/>
           </a:p>
@@ -13798,7 +13611,7 @@
           <a:blip r:embed="rId3">
             <a:extLst>
               <a:ext uri="{28A0092B-C50C-407E-A947-70E740481C1C}">
-                <a14:useLocalDpi xmlns:a14="http://schemas.microsoft.com/office/drawing/2010/main" val="0"/>
+                <a14:useLocalDpi xmlns:a14="http://schemas.microsoft.com/office/drawing/2010/main" xmlns="" val="0"/>
               </a:ext>
             </a:extLst>
           </a:blip>
@@ -13821,14 +13634,14 @@
           </a:ln>
           <a:extLst>
             <a:ext uri="{909E8E84-426E-40DD-AFC4-6F175D3DCCD1}">
-              <a14:hiddenFill xmlns:a14="http://schemas.microsoft.com/office/drawing/2010/main">
+              <a14:hiddenFill xmlns:a14="http://schemas.microsoft.com/office/drawing/2010/main" xmlns="">
                 <a:solidFill>
                   <a:schemeClr val="accent1"/>
                 </a:solidFill>
               </a14:hiddenFill>
             </a:ext>
             <a:ext uri="{91240B29-F687-4F45-9708-019B960494DF}">
-              <a14:hiddenLine xmlns:a14="http://schemas.microsoft.com/office/drawing/2010/main" w="9525">
+              <a14:hiddenLine xmlns:a14="http://schemas.microsoft.com/office/drawing/2010/main" xmlns="" w="9525">
                 <a:solidFill>
                   <a:schemeClr val="tx1"/>
                 </a:solidFill>
@@ -13852,7 +13665,7 @@
           <a:blip r:embed="rId4">
             <a:extLst>
               <a:ext uri="{28A0092B-C50C-407E-A947-70E740481C1C}">
-                <a14:useLocalDpi xmlns:a14="http://schemas.microsoft.com/office/drawing/2010/main" val="0"/>
+                <a14:useLocalDpi xmlns:a14="http://schemas.microsoft.com/office/drawing/2010/main" xmlns="" val="0"/>
               </a:ext>
             </a:extLst>
           </a:blip>
@@ -13875,14 +13688,14 @@
           </a:ln>
           <a:extLst>
             <a:ext uri="{909E8E84-426E-40DD-AFC4-6F175D3DCCD1}">
-              <a14:hiddenFill xmlns:a14="http://schemas.microsoft.com/office/drawing/2010/main">
+              <a14:hiddenFill xmlns:a14="http://schemas.microsoft.com/office/drawing/2010/main" xmlns="">
                 <a:solidFill>
                   <a:schemeClr val="accent1"/>
                 </a:solidFill>
               </a14:hiddenFill>
             </a:ext>
             <a:ext uri="{91240B29-F687-4F45-9708-019B960494DF}">
-              <a14:hiddenLine xmlns:a14="http://schemas.microsoft.com/office/drawing/2010/main" w="9525">
+              <a14:hiddenLine xmlns:a14="http://schemas.microsoft.com/office/drawing/2010/main" xmlns="" w="9525">
                 <a:solidFill>
                   <a:schemeClr val="tx1"/>
                 </a:solidFill>
@@ -13897,18 +13710,18 @@
     </p:spTree>
     <p:extLst>
       <p:ext uri="{BB962C8B-B14F-4D97-AF65-F5344CB8AC3E}">
-        <p14:creationId xmlns:p14="http://schemas.microsoft.com/office/powerpoint/2010/main" val="3704412846"/>
+        <p14:creationId xmlns:p14="http://schemas.microsoft.com/office/powerpoint/2010/main" xmlns="" val="3704412846"/>
       </p:ext>
     </p:extLst>
   </p:cSld>
   <p:clrMapOvr>
     <a:masterClrMapping/>
   </p:clrMapOvr>
-  <mc:AlternateContent xmlns:mc="http://schemas.openxmlformats.org/markup-compatibility/2006" xmlns:p14="http://schemas.microsoft.com/office/powerpoint/2010/main">
-    <mc:Choice Requires="p14">
+  <mc:AlternateContent xmlns:mc="http://schemas.openxmlformats.org/markup-compatibility/2006">
+    <mc:Choice xmlns:p14="http://schemas.microsoft.com/office/powerpoint/2010/main" xmlns="" Requires="p14">
       <p:transition p14:dur="10"/>
     </mc:Choice>
-    <mc:Fallback xmlns="">
+    <mc:Fallback>
       <p:transition/>
     </mc:Fallback>
   </mc:AlternateContent>
@@ -13983,11 +13796,7 @@
           <a:p>
             <a:r>
               <a:rPr lang="pl-PL" dirty="0" smtClean="0"/>
-              <a:t>ĆWICZENIE </a:t>
-            </a:r>
-            <a:r>
-              <a:rPr lang="pl-PL" dirty="0" smtClean="0"/>
-              <a:t>2</a:t>
+              <a:t>ĆWICZENIE 2</a:t>
             </a:r>
             <a:endParaRPr lang="de-DE" dirty="0"/>
           </a:p>
@@ -14078,18 +13887,18 @@
     </p:spTree>
     <p:extLst>
       <p:ext uri="{BB962C8B-B14F-4D97-AF65-F5344CB8AC3E}">
-        <p14:creationId xmlns:p14="http://schemas.microsoft.com/office/powerpoint/2010/main" val="55713069"/>
+        <p14:creationId xmlns:p14="http://schemas.microsoft.com/office/powerpoint/2010/main" xmlns="" val="55713069"/>
       </p:ext>
     </p:extLst>
   </p:cSld>
   <p:clrMapOvr>
     <a:masterClrMapping/>
   </p:clrMapOvr>
-  <mc:AlternateContent xmlns:mc="http://schemas.openxmlformats.org/markup-compatibility/2006" xmlns:p14="http://schemas.microsoft.com/office/powerpoint/2010/main">
-    <mc:Choice Requires="p14">
+  <mc:AlternateContent xmlns:mc="http://schemas.openxmlformats.org/markup-compatibility/2006">
+    <mc:Choice xmlns:p14="http://schemas.microsoft.com/office/powerpoint/2010/main" xmlns="" Requires="p14">
       <p:transition p14:dur="10"/>
     </mc:Choice>
-    <mc:Fallback xmlns="">
+    <mc:Fallback>
       <p:transition/>
     </mc:Fallback>
   </mc:AlternateContent>
@@ -14164,11 +13973,7 @@
           <a:p>
             <a:r>
               <a:rPr lang="pl-PL" dirty="0" smtClean="0"/>
-              <a:t>ĆWICZENIE </a:t>
-            </a:r>
-            <a:r>
-              <a:rPr lang="pl-PL" dirty="0" smtClean="0"/>
-              <a:t>2</a:t>
+              <a:t>ĆWICZENIE 2</a:t>
             </a:r>
             <a:endParaRPr lang="de-DE" dirty="0"/>
           </a:p>
@@ -14372,18 +14177,18 @@
     </p:spTree>
     <p:extLst>
       <p:ext uri="{BB962C8B-B14F-4D97-AF65-F5344CB8AC3E}">
-        <p14:creationId xmlns:p14="http://schemas.microsoft.com/office/powerpoint/2010/main" val="4164081655"/>
+        <p14:creationId xmlns:p14="http://schemas.microsoft.com/office/powerpoint/2010/main" xmlns="" val="4164081655"/>
       </p:ext>
     </p:extLst>
   </p:cSld>
   <p:clrMapOvr>
     <a:masterClrMapping/>
   </p:clrMapOvr>
-  <mc:AlternateContent xmlns:mc="http://schemas.openxmlformats.org/markup-compatibility/2006" xmlns:p14="http://schemas.microsoft.com/office/powerpoint/2010/main">
-    <mc:Choice Requires="p14">
+  <mc:AlternateContent xmlns:mc="http://schemas.openxmlformats.org/markup-compatibility/2006">
+    <mc:Choice xmlns:p14="http://schemas.microsoft.com/office/powerpoint/2010/main" xmlns="" Requires="p14">
       <p:transition p14:dur="10"/>
     </mc:Choice>
-    <mc:Fallback xmlns="">
+    <mc:Fallback>
       <p:transition/>
     </mc:Fallback>
   </mc:AlternateContent>
@@ -14458,11 +14263,7 @@
           <a:p>
             <a:r>
               <a:rPr lang="pl-PL" dirty="0" smtClean="0"/>
-              <a:t>ĆWICZENIE </a:t>
-            </a:r>
-            <a:r>
-              <a:rPr lang="pl-PL" dirty="0" smtClean="0"/>
-              <a:t>2</a:t>
+              <a:t>ĆWICZENIE 2</a:t>
             </a:r>
             <a:endParaRPr lang="de-DE" dirty="0"/>
           </a:p>
@@ -14704,18 +14505,18 @@
     </p:spTree>
     <p:extLst>
       <p:ext uri="{BB962C8B-B14F-4D97-AF65-F5344CB8AC3E}">
-        <p14:creationId xmlns:p14="http://schemas.microsoft.com/office/powerpoint/2010/main" val="1227867957"/>
+        <p14:creationId xmlns:p14="http://schemas.microsoft.com/office/powerpoint/2010/main" xmlns="" val="1227867957"/>
       </p:ext>
     </p:extLst>
   </p:cSld>
   <p:clrMapOvr>
     <a:masterClrMapping/>
   </p:clrMapOvr>
-  <mc:AlternateContent xmlns:mc="http://schemas.openxmlformats.org/markup-compatibility/2006" xmlns:p14="http://schemas.microsoft.com/office/powerpoint/2010/main">
-    <mc:Choice Requires="p14">
+  <mc:AlternateContent xmlns:mc="http://schemas.openxmlformats.org/markup-compatibility/2006">
+    <mc:Choice xmlns:p14="http://schemas.microsoft.com/office/powerpoint/2010/main" xmlns="" Requires="p14">
       <p:transition p14:dur="10"/>
     </mc:Choice>
-    <mc:Fallback xmlns="">
+    <mc:Fallback>
       <p:transition/>
     </mc:Fallback>
   </mc:AlternateContent>
@@ -14790,11 +14591,7 @@
           <a:p>
             <a:r>
               <a:rPr lang="pl-PL" dirty="0" smtClean="0"/>
-              <a:t>ĆWICZENIE </a:t>
-            </a:r>
-            <a:r>
-              <a:rPr lang="pl-PL" dirty="0" smtClean="0"/>
-              <a:t>2</a:t>
+              <a:t>ĆWICZENIE 2</a:t>
             </a:r>
             <a:endParaRPr lang="de-DE" dirty="0"/>
           </a:p>
@@ -15000,18 +14797,18 @@
     </p:spTree>
     <p:extLst>
       <p:ext uri="{BB962C8B-B14F-4D97-AF65-F5344CB8AC3E}">
-        <p14:creationId xmlns:p14="http://schemas.microsoft.com/office/powerpoint/2010/main" val="1426925081"/>
+        <p14:creationId xmlns:p14="http://schemas.microsoft.com/office/powerpoint/2010/main" xmlns="" val="1426925081"/>
       </p:ext>
     </p:extLst>
   </p:cSld>
   <p:clrMapOvr>
     <a:masterClrMapping/>
   </p:clrMapOvr>
-  <mc:AlternateContent xmlns:mc="http://schemas.openxmlformats.org/markup-compatibility/2006" xmlns:p14="http://schemas.microsoft.com/office/powerpoint/2010/main">
-    <mc:Choice Requires="p14">
+  <mc:AlternateContent xmlns:mc="http://schemas.openxmlformats.org/markup-compatibility/2006">
+    <mc:Choice xmlns:p14="http://schemas.microsoft.com/office/powerpoint/2010/main" xmlns="" Requires="p14">
       <p:transition p14:dur="10"/>
     </mc:Choice>
-    <mc:Fallback xmlns="">
+    <mc:Fallback>
       <p:transition/>
     </mc:Fallback>
   </mc:AlternateContent>
@@ -15075,14 +14872,22 @@
           <a:p>
             <a:r>
               <a:rPr lang="pl-PL" dirty="0" smtClean="0"/>
-              <a:t>Marek Strejczek</a:t>
+              <a:t>Mateusz Kołodziejski</a:t>
             </a:r>
             <a:endParaRPr lang="de-DE" dirty="0"/>
           </a:p>
           <a:p>
             <a:r>
-              <a:rPr lang="pl-PL" dirty="0" smtClean="0"/>
-              <a:t>Technical Architect</a:t>
+              <a:rPr lang="pl-PL" dirty="0" err="1" smtClean="0"/>
+              <a:t>Technical</a:t>
+            </a:r>
+            <a:r>
+              <a:rPr lang="pl-PL" dirty="0" smtClean="0"/>
+              <a:t> </a:t>
+            </a:r>
+            <a:r>
+              <a:rPr lang="pl-PL" dirty="0" err="1" smtClean="0"/>
+              <a:t>Lead</a:t>
             </a:r>
             <a:endParaRPr lang="de-DE" dirty="0"/>
           </a:p>
@@ -15115,11 +14920,15 @@
           <a:p>
             <a:r>
               <a:rPr lang="pl-PL" dirty="0" err="1" smtClean="0"/>
-              <a:t>marek.strejczek</a:t>
+              <a:t>mateusz.kolodziejski</a:t>
             </a:r>
             <a:r>
               <a:rPr lang="de-DE" dirty="0" smtClean="0"/>
-              <a:t>@gft.com</a:t>
+              <a:t>@</a:t>
+            </a:r>
+            <a:r>
+              <a:rPr lang="de-DE" dirty="0" err="1" smtClean="0"/>
+              <a:t>gft.com</a:t>
             </a:r>
             <a:endParaRPr lang="de-DE" dirty="0"/>
           </a:p>
@@ -15128,7 +14937,7 @@
     </p:spTree>
     <p:extLst>
       <p:ext uri="{BB962C8B-B14F-4D97-AF65-F5344CB8AC3E}">
-        <p14:creationId xmlns:p14="http://schemas.microsoft.com/office/powerpoint/2010/main" val="1405177657"/>
+        <p14:creationId xmlns:p14="http://schemas.microsoft.com/office/powerpoint/2010/main" xmlns="" val="1405177657"/>
       </p:ext>
     </p:extLst>
   </p:cSld>
@@ -15326,15 +15135,7 @@
             </a:r>
             <a:r>
               <a:rPr lang="pl-PL" sz="1000" b="1" dirty="0" smtClean="0"/>
-              <a:t>Kolejność </a:t>
-            </a:r>
-            <a:r>
-              <a:rPr lang="pl-PL" sz="1000" b="1" dirty="0" smtClean="0"/>
-              <a:t>i</a:t>
-            </a:r>
-            <a:r>
-              <a:rPr lang="pl-PL" sz="1000" b="1" dirty="0" smtClean="0"/>
-              <a:t>nstrukcji, pomiędzy którymi nie ma zależności „</a:t>
+              <a:t>Kolejność instrukcji, pomiędzy którymi nie ma zależności „</a:t>
             </a:r>
             <a:r>
               <a:rPr lang="pl-PL" sz="1000" b="1" dirty="0" err="1" smtClean="0"/>
@@ -15359,7 +15160,6 @@
               <a:rPr lang="pl-PL" sz="1000" dirty="0" smtClean="0"/>
               <a:t>Przykład - jeśli efekt wywołania instrukcji I12 nie zależy od wywołania instrukcji I11 to maszyna wirtualna może zamienić kolejność wykonania tych dwóch instrukcji – w efekcie możliwa staje się na przykład sekwencja I12, I11, I21, I22.</a:t>
             </a:r>
-            <a:endParaRPr lang="pl-PL" sz="1000" dirty="0" smtClean="0"/>
           </a:p>
         </p:txBody>
       </p:sp>
@@ -15372,7 +15172,7 @@
           <p:nvPr>
             <p:extLst>
               <p:ext uri="{D42A27DB-BD31-4B8C-83A1-F6EECF244321}">
-                <p14:modId xmlns:p14="http://schemas.microsoft.com/office/powerpoint/2010/main" val="3134839226"/>
+                <p14:modId xmlns:p14="http://schemas.microsoft.com/office/powerpoint/2010/main" xmlns="" val="3134839226"/>
               </p:ext>
             </p:extLst>
           </p:nvPr>
@@ -15832,18 +15632,18 @@
     </p:spTree>
     <p:extLst>
       <p:ext uri="{BB962C8B-B14F-4D97-AF65-F5344CB8AC3E}">
-        <p14:creationId xmlns:p14="http://schemas.microsoft.com/office/powerpoint/2010/main" val="3425716242"/>
+        <p14:creationId xmlns:p14="http://schemas.microsoft.com/office/powerpoint/2010/main" xmlns="" val="3425716242"/>
       </p:ext>
     </p:extLst>
   </p:cSld>
   <p:clrMapOvr>
     <a:masterClrMapping/>
   </p:clrMapOvr>
-  <mc:AlternateContent xmlns:mc="http://schemas.openxmlformats.org/markup-compatibility/2006" xmlns:p14="http://schemas.microsoft.com/office/powerpoint/2010/main">
-    <mc:Choice Requires="p14">
+  <mc:AlternateContent xmlns:mc="http://schemas.openxmlformats.org/markup-compatibility/2006">
+    <mc:Choice xmlns:p14="http://schemas.microsoft.com/office/powerpoint/2010/main" xmlns="" Requires="p14">
       <p:transition p14:dur="0"/>
     </mc:Choice>
-    <mc:Fallback xmlns="">
+    <mc:Fallback>
       <p:transition/>
     </mc:Fallback>
   </mc:AlternateContent>
@@ -16417,25 +16217,24 @@
               <a:rPr lang="pl-PL" dirty="0" smtClean="0"/>
               <a:t>Bezpieczne i żywotne rozwiązanie może być nieakceptowalne na przykład z uwagi na nieefektywne wykorzystanie zasobów.</a:t>
             </a:r>
-            <a:endParaRPr lang="pl-PL" dirty="0" smtClean="0"/>
           </a:p>
         </p:txBody>
       </p:sp>
     </p:spTree>
     <p:extLst>
       <p:ext uri="{BB962C8B-B14F-4D97-AF65-F5344CB8AC3E}">
-        <p14:creationId xmlns:p14="http://schemas.microsoft.com/office/powerpoint/2010/main" val="795985594"/>
+        <p14:creationId xmlns:p14="http://schemas.microsoft.com/office/powerpoint/2010/main" xmlns="" val="795985594"/>
       </p:ext>
     </p:extLst>
   </p:cSld>
   <p:clrMapOvr>
     <a:masterClrMapping/>
   </p:clrMapOvr>
-  <mc:AlternateContent xmlns:mc="http://schemas.openxmlformats.org/markup-compatibility/2006" xmlns:p14="http://schemas.microsoft.com/office/powerpoint/2010/main">
-    <mc:Choice Requires="p14">
+  <mc:AlternateContent xmlns:mc="http://schemas.openxmlformats.org/markup-compatibility/2006">
+    <mc:Choice xmlns:p14="http://schemas.microsoft.com/office/powerpoint/2010/main" xmlns="" Requires="p14">
       <p:transition p14:dur="0"/>
     </mc:Choice>
-    <mc:Fallback xmlns="">
+    <mc:Fallback>
       <p:transition/>
     </mc:Fallback>
   </mc:AlternateContent>
@@ -16987,18 +16786,18 @@
     </p:spTree>
     <p:extLst>
       <p:ext uri="{BB962C8B-B14F-4D97-AF65-F5344CB8AC3E}">
-        <p14:creationId xmlns:p14="http://schemas.microsoft.com/office/powerpoint/2010/main" val="4265850959"/>
+        <p14:creationId xmlns:p14="http://schemas.microsoft.com/office/powerpoint/2010/main" xmlns="" val="4265850959"/>
       </p:ext>
     </p:extLst>
   </p:cSld>
   <p:clrMapOvr>
     <a:masterClrMapping/>
   </p:clrMapOvr>
-  <mc:AlternateContent xmlns:mc="http://schemas.openxmlformats.org/markup-compatibility/2006" xmlns:p14="http://schemas.microsoft.com/office/powerpoint/2010/main">
-    <mc:Choice Requires="p14">
+  <mc:AlternateContent xmlns:mc="http://schemas.openxmlformats.org/markup-compatibility/2006">
+    <mc:Choice xmlns:p14="http://schemas.microsoft.com/office/powerpoint/2010/main" xmlns="" Requires="p14">
       <p:transition p14:dur="0"/>
     </mc:Choice>
-    <mc:Fallback xmlns="">
+    <mc:Fallback>
       <p:transition/>
     </mc:Fallback>
   </mc:AlternateContent>
@@ -17114,11 +16913,7 @@
             <a:pPr lvl="3"/>
             <a:r>
               <a:rPr lang="pl-PL" dirty="0" smtClean="0"/>
-              <a:t>K</a:t>
-            </a:r>
-            <a:r>
-              <a:rPr lang="pl-PL" dirty="0" smtClean="0"/>
-              <a:t>ilka procesów współzawodniczy o dostęp do jakiegoś zasobu/sekcji krytycznej.</a:t>
+              <a:t>Kilka procesów współzawodniczy o dostęp do jakiegoś zasobu/sekcji krytycznej.</a:t>
             </a:r>
           </a:p>
           <a:p>
@@ -17357,18 +17152,18 @@
     </p:spTree>
     <p:extLst>
       <p:ext uri="{BB962C8B-B14F-4D97-AF65-F5344CB8AC3E}">
-        <p14:creationId xmlns:p14="http://schemas.microsoft.com/office/powerpoint/2010/main" val="1376651310"/>
+        <p14:creationId xmlns:p14="http://schemas.microsoft.com/office/powerpoint/2010/main" xmlns="" val="1376651310"/>
       </p:ext>
     </p:extLst>
   </p:cSld>
   <p:clrMapOvr>
     <a:masterClrMapping/>
   </p:clrMapOvr>
-  <mc:AlternateContent xmlns:mc="http://schemas.openxmlformats.org/markup-compatibility/2006" xmlns:p14="http://schemas.microsoft.com/office/powerpoint/2010/main">
-    <mc:Choice Requires="p14">
+  <mc:AlternateContent xmlns:mc="http://schemas.openxmlformats.org/markup-compatibility/2006">
+    <mc:Choice xmlns:p14="http://schemas.microsoft.com/office/powerpoint/2010/main" xmlns="" Requires="p14">
       <p:transition p14:dur="0"/>
     </mc:Choice>
-    <mc:Fallback xmlns="">
+    <mc:Fallback>
       <p:transition/>
     </mc:Fallback>
   </mc:AlternateContent>
@@ -17552,18 +17347,18 @@
     </p:spTree>
     <p:extLst>
       <p:ext uri="{BB962C8B-B14F-4D97-AF65-F5344CB8AC3E}">
-        <p14:creationId xmlns:p14="http://schemas.microsoft.com/office/powerpoint/2010/main" val="3087258957"/>
+        <p14:creationId xmlns:p14="http://schemas.microsoft.com/office/powerpoint/2010/main" xmlns="" val="3087258957"/>
       </p:ext>
     </p:extLst>
   </p:cSld>
   <p:clrMapOvr>
     <a:masterClrMapping/>
   </p:clrMapOvr>
-  <mc:AlternateContent xmlns:mc="http://schemas.openxmlformats.org/markup-compatibility/2006" xmlns:p14="http://schemas.microsoft.com/office/powerpoint/2010/main">
-    <mc:Choice Requires="p14">
+  <mc:AlternateContent xmlns:mc="http://schemas.openxmlformats.org/markup-compatibility/2006">
+    <mc:Choice xmlns:p14="http://schemas.microsoft.com/office/powerpoint/2010/main" xmlns="" Requires="p14">
       <p:transition p14:dur="0"/>
     </mc:Choice>
-    <mc:Fallback xmlns="">
+    <mc:Fallback>
       <p:transition/>
     </mc:Fallback>
   </mc:AlternateContent>
@@ -17674,7 +17469,6 @@
               <a:rPr lang="pl-PL" dirty="0" smtClean="0"/>
               <a:t>Zasada</a:t>
             </a:r>
-            <a:endParaRPr lang="pl-PL" dirty="0" smtClean="0"/>
           </a:p>
           <a:p>
             <a:pPr lvl="3"/>
@@ -17799,18 +17593,18 @@
     </p:spTree>
     <p:extLst>
       <p:ext uri="{BB962C8B-B14F-4D97-AF65-F5344CB8AC3E}">
-        <p14:creationId xmlns:p14="http://schemas.microsoft.com/office/powerpoint/2010/main" val="3672538112"/>
+        <p14:creationId xmlns:p14="http://schemas.microsoft.com/office/powerpoint/2010/main" xmlns="" val="3672538112"/>
       </p:ext>
     </p:extLst>
   </p:cSld>
   <p:clrMapOvr>
     <a:masterClrMapping/>
   </p:clrMapOvr>
-  <mc:AlternateContent xmlns:mc="http://schemas.openxmlformats.org/markup-compatibility/2006" xmlns:p14="http://schemas.microsoft.com/office/powerpoint/2010/main">
-    <mc:Choice Requires="p14">
+  <mc:AlternateContent xmlns:mc="http://schemas.openxmlformats.org/markup-compatibility/2006">
+    <mc:Choice xmlns:p14="http://schemas.microsoft.com/office/powerpoint/2010/main" xmlns="" Requires="p14">
       <p:transition p14:dur="0"/>
     </mc:Choice>
-    <mc:Fallback xmlns="">
+    <mc:Fallback>
       <p:transition/>
     </mc:Fallback>
   </mc:AlternateContent>
@@ -17822,18 +17616,6 @@
     </p:tnLst>
   </p:timing>
 </p:sld>
-</file>
-
-<file path=ppt/tags/tag1.xml><?xml version="1.0" encoding="utf-8"?>
-<p:tagLst xmlns:a="http://schemas.openxmlformats.org/drawingml/2006/main" xmlns:r="http://schemas.openxmlformats.org/officeDocument/2006/relationships" xmlns:p="http://schemas.openxmlformats.org/presentationml/2006/main">
-  <p:tag name="THINKCELLSHAPEDONOTDELETE" val="thinkcellActiveDocDoNotDelete"/>
-</p:tagLst>
-</file>
-
-<file path=ppt/tags/tag2.xml><?xml version="1.0" encoding="utf-8"?>
-<p:tagLst xmlns:a="http://schemas.openxmlformats.org/drawingml/2006/main" xmlns:r="http://schemas.openxmlformats.org/officeDocument/2006/relationships" xmlns:p="http://schemas.openxmlformats.org/presentationml/2006/main">
-  <p:tag name="THINKCELLSHAPEDONOTDELETE" val="thinkcellActiveDocDoNotDelete"/>
-</p:tagLst>
 </file>
 
 <file path=ppt/theme/theme1.xml><?xml version="1.0" encoding="utf-8"?>
@@ -18108,7 +17890,7 @@
   <a:extraClrSchemeLst/>
   <a:extLst>
     <a:ext uri="{05A4C25C-085E-4340-85A3-A5531E510DB2}">
-      <thm15:themeFamily xmlns:thm15="http://schemas.microsoft.com/office/thememl/2012/main" xmlns="" name="GFT_Chartpool_2015.pptx" id="{A28C9458-9558-44C8-89F4-D7A2CBC04405}" vid="{0F156D25-70FA-498B-891B-4FDE46BF1046}"/>
+      <thm15:themeFamily xmlns="" xmlns:thm15="http://schemas.microsoft.com/office/thememl/2012/main" name="GFT_Chartpool_2015.pptx" id="{A28C9458-9558-44C8-89F4-D7A2CBC04405}" vid="{0F156D25-70FA-498B-891B-4FDE46BF1046}"/>
     </a:ext>
   </a:extLst>
 </a:theme>
@@ -18755,87 +18537,6 @@
 </file>
 
 <file path=customXml/item1.xml><?xml version="1.0" encoding="utf-8"?>
-<?mso-contentType ?>
-<spe:Receivers xmlns:spe="http://schemas.microsoft.com/sharepoint/events">
-  <Receiver>
-    <Name>Document ID Generator</Name>
-    <Synchronization>Synchronous</Synchronization>
-    <Type>10001</Type>
-    <SequenceNumber>1000</SequenceNumber>
-    <Assembly>Microsoft.Office.DocumentManagement, Version=14.0.0.0, Culture=neutral, PublicKeyToken=71e9bce111e9429c</Assembly>
-    <Class>Microsoft.Office.DocumentManagement.Internal.DocIdHandler</Class>
-    <Data/>
-    <Filter/>
-  </Receiver>
-  <Receiver>
-    <Name>Document ID Generator</Name>
-    <Synchronization>Synchronous</Synchronization>
-    <Type>10002</Type>
-    <SequenceNumber>1001</SequenceNumber>
-    <Assembly>Microsoft.Office.DocumentManagement, Version=14.0.0.0, Culture=neutral, PublicKeyToken=71e9bce111e9429c</Assembly>
-    <Class>Microsoft.Office.DocumentManagement.Internal.DocIdHandler</Class>
-    <Data/>
-    <Filter/>
-  </Receiver>
-  <Receiver>
-    <Name>Document ID Generator</Name>
-    <Synchronization>Synchronous</Synchronization>
-    <Type>10004</Type>
-    <SequenceNumber>1002</SequenceNumber>
-    <Assembly>Microsoft.Office.DocumentManagement, Version=14.0.0.0, Culture=neutral, PublicKeyToken=71e9bce111e9429c</Assembly>
-    <Class>Microsoft.Office.DocumentManagement.Internal.DocIdHandler</Class>
-    <Data/>
-    <Filter/>
-  </Receiver>
-  <Receiver>
-    <Name>Document ID Generator</Name>
-    <Synchronization>Synchronous</Synchronization>
-    <Type>10006</Type>
-    <SequenceNumber>1003</SequenceNumber>
-    <Assembly>Microsoft.Office.DocumentManagement, Version=14.0.0.0, Culture=neutral, PublicKeyToken=71e9bce111e9429c</Assembly>
-    <Class>Microsoft.Office.DocumentManagement.Internal.DocIdHandler</Class>
-    <Data/>
-    <Filter/>
-  </Receiver>
-</spe:Receivers>
-</file>
-
-<file path=customXml/item2.xml><?xml version="1.0" encoding="utf-8"?>
-<p:properties xmlns:p="http://schemas.microsoft.com/office/2006/metadata/properties" xmlns:xsi="http://www.w3.org/2001/XMLSchema-instance" xmlns:pc="http://schemas.microsoft.com/office/infopath/2007/PartnerControls">
-  <documentManagement>
-    <_dlc_DocId xmlns="727178e8-9586-4f49-8e7b-77af9c2fb085">CVD5QAC74SYH-2-13943</_dlc_DocId>
-    <_dlc_DocIdUrl xmlns="727178e8-9586-4f49-8e7b-77af9c2fb085">
-      <Url>https://share.gft.com/sites/Corporate-Marketing/_layouts/DocIdRedir.aspx?ID=CVD5QAC74SYH-2-13943</Url>
-      <Description>CVD5QAC74SYH-2-13943</Description>
-    </_dlc_DocIdUrl>
-    <Functional_x0020_Area xmlns="e44e039f-c551-4112-981c-456f1b630ef1">Functional Area 1</Functional_x0020_Area>
-    <Reference_x0020_Title xmlns="e44e039f-c551-4112-981c-456f1b630ef1" xsi:nil="true"/>
-    <Area xmlns="e44e039f-c551-4112-981c-456f1b630ef1">Area 1</Area>
-    <Project_x0020_size_x0020__x0028_resources_x0029_ xmlns="e44e039f-c551-4112-981c-456f1b630ef1" xsi:nil="true"/>
-    <Comments xmlns="e44e039f-c551-4112-981c-456f1b630ef1" xsi:nil="true"/>
-    <Business_x0020_Sector xmlns="e44e039f-c551-4112-981c-456f1b630ef1">Banking</Business_x0020_Sector>
-    <Client_x0020_Category xmlns="e44e039f-c551-4112-981c-456f1b630ef1">Central</Client_x0020_Category>
-    <Methods_x0020_and_x0020_standards xmlns="e44e039f-c551-4112-981c-456f1b630ef1" xsi:nil="true"/>
-    <Responsible xmlns="e44e039f-c551-4112-981c-456f1b630ef1">Marek Strejczek</Responsible>
-    <Client_x0020_Name xmlns="e44e039f-c551-4112-981c-456f1b630ef1" xsi:nil="true"/>
-    <Client_x0020_approval xmlns="e44e039f-c551-4112-981c-456f1b630ef1">No</Client_x0020_approval>
-    <Plattform_x0020__x0026__x0020_tools xmlns="e44e039f-c551-4112-981c-456f1b630ef1" xsi:nil="true"/>
-    <Project_x0020_ID xmlns="e44e039f-c551-4112-981c-456f1b630ef1" xsi:nil="true"/>
-    <Description0 xmlns="e44e039f-c551-4112-981c-456f1b630ef1" xsi:nil="true"/>
-    <Author_x0020__x002f__x0020_Contact xmlns="e44e039f-c551-4112-981c-456f1b630ef1">
-      <UserInfo>
-        <DisplayName/>
-        <AccountId xsi:nil="true"/>
-        <AccountType/>
-      </UserInfo>
-    </Author_x0020__x002f__x0020_Contact>
-    <Client_x0020_Country xmlns="e44e039f-c551-4112-981c-456f1b630ef1">Germany</Client_x0020_Country>
-    <Year xmlns="e44e039f-c551-4112-981c-456f1b630ef1" xsi:nil="true"/>
-  </documentManagement>
-</p:properties>
-</file>
-
-<file path=customXml/item3.xml><?xml version="1.0" encoding="utf-8"?>
 <ct:contentTypeSchema xmlns:ct="http://schemas.microsoft.com/office/2006/metadata/contentType" xmlns:ma="http://schemas.microsoft.com/office/2006/metadata/properties/metaAttributes" ct:_="" ma:_="" ma:contentTypeName="Document" ma:contentTypeID="0x010100793B9935CA02AD4F90F0A0FD564FDD82" ma:contentTypeVersion="17" ma:contentTypeDescription="Create a new document." ma:contentTypeScope="" ma:versionID="6168266ad0b2c1ccdc9d2ae0268a5eb6">
   <xsd:schema xmlns:xsd="http://www.w3.org/2001/XMLSchema" xmlns:xs="http://www.w3.org/2001/XMLSchema" xmlns:p="http://schemas.microsoft.com/office/2006/metadata/properties" xmlns:ns2="e44e039f-c551-4112-981c-456f1b630ef1" xmlns:ns3="727178e8-9586-4f49-8e7b-77af9c2fb085" targetNamespace="http://schemas.microsoft.com/office/2006/metadata/properties" ma:root="true" ma:fieldsID="b9b29daf9bb73cd90369de1b0e977594" ns2:_="" ns3:_="">
     <xsd:import namespace="e44e039f-c551-4112-981c-456f1b630ef1"/>
@@ -19332,6 +19033,87 @@
 </ct:contentTypeSchema>
 </file>
 
+<file path=customXml/item2.xml><?xml version="1.0" encoding="utf-8"?>
+<p:properties xmlns:p="http://schemas.microsoft.com/office/2006/metadata/properties" xmlns:xsi="http://www.w3.org/2001/XMLSchema-instance" xmlns:pc="http://schemas.microsoft.com/office/infopath/2007/PartnerControls">
+  <documentManagement>
+    <_dlc_DocId xmlns="727178e8-9586-4f49-8e7b-77af9c2fb085">CVD5QAC74SYH-2-13943</_dlc_DocId>
+    <_dlc_DocIdUrl xmlns="727178e8-9586-4f49-8e7b-77af9c2fb085">
+      <Url>https://share.gft.com/sites/Corporate-Marketing/_layouts/DocIdRedir.aspx?ID=CVD5QAC74SYH-2-13943</Url>
+      <Description>CVD5QAC74SYH-2-13943</Description>
+    </_dlc_DocIdUrl>
+    <Functional_x0020_Area xmlns="e44e039f-c551-4112-981c-456f1b630ef1">Functional Area 1</Functional_x0020_Area>
+    <Reference_x0020_Title xmlns="e44e039f-c551-4112-981c-456f1b630ef1" xsi:nil="true"/>
+    <Area xmlns="e44e039f-c551-4112-981c-456f1b630ef1">Area 1</Area>
+    <Project_x0020_size_x0020__x0028_resources_x0029_ xmlns="e44e039f-c551-4112-981c-456f1b630ef1" xsi:nil="true"/>
+    <Comments xmlns="e44e039f-c551-4112-981c-456f1b630ef1" xsi:nil="true"/>
+    <Business_x0020_Sector xmlns="e44e039f-c551-4112-981c-456f1b630ef1">Banking</Business_x0020_Sector>
+    <Client_x0020_Category xmlns="e44e039f-c551-4112-981c-456f1b630ef1">Central</Client_x0020_Category>
+    <Methods_x0020_and_x0020_standards xmlns="e44e039f-c551-4112-981c-456f1b630ef1" xsi:nil="true"/>
+    <Responsible xmlns="e44e039f-c551-4112-981c-456f1b630ef1">Marek Strejczek</Responsible>
+    <Client_x0020_Name xmlns="e44e039f-c551-4112-981c-456f1b630ef1" xsi:nil="true"/>
+    <Client_x0020_approval xmlns="e44e039f-c551-4112-981c-456f1b630ef1">No</Client_x0020_approval>
+    <Plattform_x0020__x0026__x0020_tools xmlns="e44e039f-c551-4112-981c-456f1b630ef1" xsi:nil="true"/>
+    <Project_x0020_ID xmlns="e44e039f-c551-4112-981c-456f1b630ef1" xsi:nil="true"/>
+    <Description0 xmlns="e44e039f-c551-4112-981c-456f1b630ef1" xsi:nil="true"/>
+    <Author_x0020__x002f__x0020_Contact xmlns="e44e039f-c551-4112-981c-456f1b630ef1">
+      <UserInfo>
+        <DisplayName/>
+        <AccountId xsi:nil="true"/>
+        <AccountType/>
+      </UserInfo>
+    </Author_x0020__x002f__x0020_Contact>
+    <Client_x0020_Country xmlns="e44e039f-c551-4112-981c-456f1b630ef1">Germany</Client_x0020_Country>
+    <Year xmlns="e44e039f-c551-4112-981c-456f1b630ef1" xsi:nil="true"/>
+  </documentManagement>
+</p:properties>
+</file>
+
+<file path=customXml/item3.xml><?xml version="1.0" encoding="utf-8"?>
+<?mso-contentType ?>
+<spe:Receivers xmlns:spe="http://schemas.microsoft.com/sharepoint/events">
+  <Receiver>
+    <Name>Document ID Generator</Name>
+    <Synchronization>Synchronous</Synchronization>
+    <Type>10001</Type>
+    <SequenceNumber>1000</SequenceNumber>
+    <Assembly>Microsoft.Office.DocumentManagement, Version=14.0.0.0, Culture=neutral, PublicKeyToken=71e9bce111e9429c</Assembly>
+    <Class>Microsoft.Office.DocumentManagement.Internal.DocIdHandler</Class>
+    <Data/>
+    <Filter/>
+  </Receiver>
+  <Receiver>
+    <Name>Document ID Generator</Name>
+    <Synchronization>Synchronous</Synchronization>
+    <Type>10002</Type>
+    <SequenceNumber>1001</SequenceNumber>
+    <Assembly>Microsoft.Office.DocumentManagement, Version=14.0.0.0, Culture=neutral, PublicKeyToken=71e9bce111e9429c</Assembly>
+    <Class>Microsoft.Office.DocumentManagement.Internal.DocIdHandler</Class>
+    <Data/>
+    <Filter/>
+  </Receiver>
+  <Receiver>
+    <Name>Document ID Generator</Name>
+    <Synchronization>Synchronous</Synchronization>
+    <Type>10004</Type>
+    <SequenceNumber>1002</SequenceNumber>
+    <Assembly>Microsoft.Office.DocumentManagement, Version=14.0.0.0, Culture=neutral, PublicKeyToken=71e9bce111e9429c</Assembly>
+    <Class>Microsoft.Office.DocumentManagement.Internal.DocIdHandler</Class>
+    <Data/>
+    <Filter/>
+  </Receiver>
+  <Receiver>
+    <Name>Document ID Generator</Name>
+    <Synchronization>Synchronous</Synchronization>
+    <Type>10006</Type>
+    <SequenceNumber>1003</SequenceNumber>
+    <Assembly>Microsoft.Office.DocumentManagement, Version=14.0.0.0, Culture=neutral, PublicKeyToken=71e9bce111e9429c</Assembly>
+    <Class>Microsoft.Office.DocumentManagement.Internal.DocIdHandler</Class>
+    <Data/>
+    <Filter/>
+  </Receiver>
+</spe:Receivers>
+</file>
+
 <file path=customXml/item4.xml><?xml version="1.0" encoding="utf-8"?>
 <?mso-contentType ?>
 <FormTemplates xmlns="http://schemas.microsoft.com/sharepoint/v3/contenttype/forms">
@@ -19342,9 +19124,20 @@
 </file>
 
 <file path=customXml/itemProps1.xml><?xml version="1.0" encoding="utf-8"?>
-<ds:datastoreItem xmlns:ds="http://schemas.openxmlformats.org/officeDocument/2006/customXml" ds:itemID="{A6F3EA8F-EBA0-438A-80BD-6A96E2E10054}">
+<ds:datastoreItem xmlns:ds="http://schemas.openxmlformats.org/officeDocument/2006/customXml" ds:itemID="{54CA1130-EAC1-4116-82E4-DF5A51FE3AEA}">
   <ds:schemaRefs>
-    <ds:schemaRef ds:uri="http://schemas.microsoft.com/sharepoint/events"/>
+    <ds:schemaRef ds:uri="http://schemas.microsoft.com/office/2006/metadata/contentType"/>
+    <ds:schemaRef ds:uri="http://schemas.microsoft.com/office/2006/metadata/properties/metaAttributes"/>
+    <ds:schemaRef ds:uri="http://www.w3.org/2001/XMLSchema"/>
+    <ds:schemaRef ds:uri="http://schemas.microsoft.com/office/2006/metadata/properties"/>
+    <ds:schemaRef ds:uri="e44e039f-c551-4112-981c-456f1b630ef1"/>
+    <ds:schemaRef ds:uri="727178e8-9586-4f49-8e7b-77af9c2fb085"/>
+    <ds:schemaRef ds:uri="http://schemas.microsoft.com/office/2006/documentManagement/types"/>
+    <ds:schemaRef ds:uri="http://schemas.microsoft.com/office/infopath/2007/PartnerControls"/>
+    <ds:schemaRef ds:uri="http://schemas.openxmlformats.org/package/2006/metadata/core-properties"/>
+    <ds:schemaRef ds:uri="http://purl.org/dc/elements/1.1/"/>
+    <ds:schemaRef ds:uri="http://purl.org/dc/terms/"/>
+    <ds:schemaRef ds:uri="http://schemas.microsoft.com/internal/obd"/>
   </ds:schemaRefs>
 </ds:datastoreItem>
 </file>
@@ -19367,20 +19160,9 @@
 </file>
 
 <file path=customXml/itemProps3.xml><?xml version="1.0" encoding="utf-8"?>
-<ds:datastoreItem xmlns:ds="http://schemas.openxmlformats.org/officeDocument/2006/customXml" ds:itemID="{54CA1130-EAC1-4116-82E4-DF5A51FE3AEA}">
+<ds:datastoreItem xmlns:ds="http://schemas.openxmlformats.org/officeDocument/2006/customXml" ds:itemID="{A6F3EA8F-EBA0-438A-80BD-6A96E2E10054}">
   <ds:schemaRefs>
-    <ds:schemaRef ds:uri="http://schemas.microsoft.com/office/2006/metadata/contentType"/>
-    <ds:schemaRef ds:uri="http://schemas.microsoft.com/office/2006/metadata/properties/metaAttributes"/>
-    <ds:schemaRef ds:uri="http://www.w3.org/2001/XMLSchema"/>
-    <ds:schemaRef ds:uri="http://schemas.microsoft.com/office/2006/metadata/properties"/>
-    <ds:schemaRef ds:uri="e44e039f-c551-4112-981c-456f1b630ef1"/>
-    <ds:schemaRef ds:uri="727178e8-9586-4f49-8e7b-77af9c2fb085"/>
-    <ds:schemaRef ds:uri="http://schemas.microsoft.com/office/2006/documentManagement/types"/>
-    <ds:schemaRef ds:uri="http://schemas.microsoft.com/office/infopath/2007/PartnerControls"/>
-    <ds:schemaRef ds:uri="http://schemas.openxmlformats.org/package/2006/metadata/core-properties"/>
-    <ds:schemaRef ds:uri="http://purl.org/dc/elements/1.1/"/>
-    <ds:schemaRef ds:uri="http://purl.org/dc/terms/"/>
-    <ds:schemaRef ds:uri="http://schemas.microsoft.com/internal/obd"/>
+    <ds:schemaRef ds:uri="http://schemas.microsoft.com/sharepoint/events"/>
   </ds:schemaRefs>
 </ds:datastoreItem>
 </file>

--- a/WDSR - ćwiczenie 2.pptx
+++ b/WDSR - ćwiczenie 2.pptx
@@ -9716,6 +9716,89 @@
           </a:p>
         </p:txBody>
       </p:sp>
+      <p:sp>
+        <p:nvSpPr>
+          <p:cNvPr id="8" name="pole tekstowe 7"/>
+          <p:cNvSpPr txBox="1"/>
+          <p:nvPr/>
+        </p:nvSpPr>
+        <p:spPr bwMode="auto">
+          <a:xfrm>
+            <a:off x="555906" y="3963421"/>
+            <a:ext cx="6751848" cy="518091"/>
+          </a:xfrm>
+          <a:prstGeom prst="rect">
+            <a:avLst/>
+          </a:prstGeom>
+          <a:noFill/>
+          <a:ln w="9525">
+            <a:noFill/>
+            <a:miter lim="800000"/>
+            <a:headEnd/>
+            <a:tailEnd/>
+          </a:ln>
+        </p:spPr>
+        <p:txBody>
+          <a:bodyPr wrap="none" lIns="0" tIns="0" rIns="0" bIns="0" rtlCol="0">
+            <a:spAutoFit/>
+          </a:bodyPr>
+          <a:lstStyle/>
+          <a:p>
+            <a:pPr>
+              <a:spcBef>
+                <a:spcPts val="100"/>
+              </a:spcBef>
+              <a:spcAft>
+                <a:spcPts val="100"/>
+              </a:spcAft>
+            </a:pPr>
+            <a:r>
+              <a:rPr lang="pl-PL" sz="1600" b="1" dirty="0" smtClean="0">
+                <a:solidFill>
+                  <a:srgbClr val="00B050"/>
+                </a:solidFill>
+              </a:rPr>
+              <a:t>Ostateczny termin zaliczenia ćwiczenia: </a:t>
+            </a:r>
+            <a:r>
+              <a:rPr lang="pl-PL" sz="1600" b="1" dirty="0" smtClean="0">
+                <a:solidFill>
+                  <a:srgbClr val="00B050"/>
+                </a:solidFill>
+              </a:rPr>
+              <a:t>czwartek 30 marca</a:t>
+            </a:r>
+            <a:endParaRPr lang="pl-PL" sz="1600" b="1" dirty="0" smtClean="0">
+              <a:solidFill>
+                <a:srgbClr val="00B050"/>
+              </a:solidFill>
+            </a:endParaRPr>
+          </a:p>
+          <a:p>
+            <a:pPr>
+              <a:spcBef>
+                <a:spcPts val="100"/>
+              </a:spcBef>
+              <a:spcAft>
+                <a:spcPts val="100"/>
+              </a:spcAft>
+            </a:pPr>
+            <a:r>
+              <a:rPr lang="pl-PL" sz="1600" b="1" dirty="0" smtClean="0">
+                <a:solidFill>
+                  <a:srgbClr val="00B050"/>
+                </a:solidFill>
+              </a:rPr>
+              <a:t>Rozwiązania dostarczone później nie będą uwzględniane (0 punktów)</a:t>
+            </a:r>
+            <a:endParaRPr lang="pl-PL" sz="1600" b="1" dirty="0">
+              <a:solidFill>
+                <a:srgbClr val="00B050"/>
+              </a:solidFill>
+            </a:endParaRPr>
+          </a:p>
+        </p:txBody>
+      </p:sp>
     </p:spTree>
     <p:extLst>
       <p:ext uri="{BB962C8B-B14F-4D97-AF65-F5344CB8AC3E}">
@@ -10328,6 +10411,89 @@
           </a:p>
         </p:txBody>
       </p:sp>
+      <p:sp>
+        <p:nvSpPr>
+          <p:cNvPr id="8" name="pole tekstowe 7"/>
+          <p:cNvSpPr txBox="1"/>
+          <p:nvPr/>
+        </p:nvSpPr>
+        <p:spPr bwMode="auto">
+          <a:xfrm>
+            <a:off x="555906" y="3963421"/>
+            <a:ext cx="6751848" cy="518091"/>
+          </a:xfrm>
+          <a:prstGeom prst="rect">
+            <a:avLst/>
+          </a:prstGeom>
+          <a:noFill/>
+          <a:ln w="9525">
+            <a:noFill/>
+            <a:miter lim="800000"/>
+            <a:headEnd/>
+            <a:tailEnd/>
+          </a:ln>
+        </p:spPr>
+        <p:txBody>
+          <a:bodyPr wrap="none" lIns="0" tIns="0" rIns="0" bIns="0" rtlCol="0">
+            <a:spAutoFit/>
+          </a:bodyPr>
+          <a:lstStyle/>
+          <a:p>
+            <a:pPr>
+              <a:spcBef>
+                <a:spcPts val="100"/>
+              </a:spcBef>
+              <a:spcAft>
+                <a:spcPts val="100"/>
+              </a:spcAft>
+            </a:pPr>
+            <a:r>
+              <a:rPr lang="pl-PL" sz="1600" b="1" dirty="0" smtClean="0">
+                <a:solidFill>
+                  <a:srgbClr val="00B050"/>
+                </a:solidFill>
+              </a:rPr>
+              <a:t>Ostateczny termin zaliczenia ćwiczenia: </a:t>
+            </a:r>
+            <a:r>
+              <a:rPr lang="pl-PL" sz="1600" b="1" dirty="0" smtClean="0">
+                <a:solidFill>
+                  <a:srgbClr val="00B050"/>
+                </a:solidFill>
+              </a:rPr>
+              <a:t>czwartek 30 marca</a:t>
+            </a:r>
+            <a:endParaRPr lang="pl-PL" sz="1600" b="1" dirty="0" smtClean="0">
+              <a:solidFill>
+                <a:srgbClr val="00B050"/>
+              </a:solidFill>
+            </a:endParaRPr>
+          </a:p>
+          <a:p>
+            <a:pPr>
+              <a:spcBef>
+                <a:spcPts val="100"/>
+              </a:spcBef>
+              <a:spcAft>
+                <a:spcPts val="100"/>
+              </a:spcAft>
+            </a:pPr>
+            <a:r>
+              <a:rPr lang="pl-PL" sz="1600" b="1" dirty="0" smtClean="0">
+                <a:solidFill>
+                  <a:srgbClr val="00B050"/>
+                </a:solidFill>
+              </a:rPr>
+              <a:t>Rozwiązania dostarczone później nie będą uwzględniane (0 punktów)</a:t>
+            </a:r>
+            <a:endParaRPr lang="pl-PL" sz="1600" b="1" dirty="0">
+              <a:solidFill>
+                <a:srgbClr val="00B050"/>
+              </a:solidFill>
+            </a:endParaRPr>
+          </a:p>
+        </p:txBody>
+      </p:sp>
     </p:spTree>
     <p:extLst>
       <p:ext uri="{BB962C8B-B14F-4D97-AF65-F5344CB8AC3E}">
@@ -10643,6 +10809,89 @@
           </a:extLst>
         </p:spPr>
       </p:pic>
+      <p:sp>
+        <p:nvSpPr>
+          <p:cNvPr id="9" name="pole tekstowe 8"/>
+          <p:cNvSpPr txBox="1"/>
+          <p:nvPr/>
+        </p:nvSpPr>
+        <p:spPr bwMode="auto">
+          <a:xfrm>
+            <a:off x="555906" y="3963421"/>
+            <a:ext cx="6751848" cy="518091"/>
+          </a:xfrm>
+          <a:prstGeom prst="rect">
+            <a:avLst/>
+          </a:prstGeom>
+          <a:noFill/>
+          <a:ln w="9525">
+            <a:noFill/>
+            <a:miter lim="800000"/>
+            <a:headEnd/>
+            <a:tailEnd/>
+          </a:ln>
+        </p:spPr>
+        <p:txBody>
+          <a:bodyPr wrap="none" lIns="0" tIns="0" rIns="0" bIns="0" rtlCol="0">
+            <a:spAutoFit/>
+          </a:bodyPr>
+          <a:lstStyle/>
+          <a:p>
+            <a:pPr>
+              <a:spcBef>
+                <a:spcPts val="100"/>
+              </a:spcBef>
+              <a:spcAft>
+                <a:spcPts val="100"/>
+              </a:spcAft>
+            </a:pPr>
+            <a:r>
+              <a:rPr lang="pl-PL" sz="1600" b="1" dirty="0" smtClean="0">
+                <a:solidFill>
+                  <a:srgbClr val="00B050"/>
+                </a:solidFill>
+              </a:rPr>
+              <a:t>Ostateczny termin zaliczenia ćwiczenia: </a:t>
+            </a:r>
+            <a:r>
+              <a:rPr lang="pl-PL" sz="1600" b="1" dirty="0" smtClean="0">
+                <a:solidFill>
+                  <a:srgbClr val="00B050"/>
+                </a:solidFill>
+              </a:rPr>
+              <a:t>czwartek 30 marca</a:t>
+            </a:r>
+            <a:endParaRPr lang="pl-PL" sz="1600" b="1" dirty="0" smtClean="0">
+              <a:solidFill>
+                <a:srgbClr val="00B050"/>
+              </a:solidFill>
+            </a:endParaRPr>
+          </a:p>
+          <a:p>
+            <a:pPr>
+              <a:spcBef>
+                <a:spcPts val="100"/>
+              </a:spcBef>
+              <a:spcAft>
+                <a:spcPts val="100"/>
+              </a:spcAft>
+            </a:pPr>
+            <a:r>
+              <a:rPr lang="pl-PL" sz="1600" b="1" dirty="0" smtClean="0">
+                <a:solidFill>
+                  <a:srgbClr val="00B050"/>
+                </a:solidFill>
+              </a:rPr>
+              <a:t>Rozwiązania dostarczone później nie będą uwzględniane (0 punktów)</a:t>
+            </a:r>
+            <a:endParaRPr lang="pl-PL" sz="1600" b="1" dirty="0">
+              <a:solidFill>
+                <a:srgbClr val="00B050"/>
+              </a:solidFill>
+            </a:endParaRPr>
+          </a:p>
+        </p:txBody>
+      </p:sp>
     </p:spTree>
     <p:extLst>
       <p:ext uri="{BB962C8B-B14F-4D97-AF65-F5344CB8AC3E}">
@@ -12335,6 +12584,89 @@
           </a:p>
         </p:txBody>
       </p:sp>
+      <p:sp>
+        <p:nvSpPr>
+          <p:cNvPr id="8" name="pole tekstowe 7"/>
+          <p:cNvSpPr txBox="1"/>
+          <p:nvPr/>
+        </p:nvSpPr>
+        <p:spPr bwMode="auto">
+          <a:xfrm>
+            <a:off x="635425" y="3847175"/>
+            <a:ext cx="6751848" cy="518091"/>
+          </a:xfrm>
+          <a:prstGeom prst="rect">
+            <a:avLst/>
+          </a:prstGeom>
+          <a:noFill/>
+          <a:ln w="9525">
+            <a:noFill/>
+            <a:miter lim="800000"/>
+            <a:headEnd/>
+            <a:tailEnd/>
+          </a:ln>
+        </p:spPr>
+        <p:txBody>
+          <a:bodyPr wrap="none" lIns="0" tIns="0" rIns="0" bIns="0" rtlCol="0">
+            <a:spAutoFit/>
+          </a:bodyPr>
+          <a:lstStyle/>
+          <a:p>
+            <a:pPr>
+              <a:spcBef>
+                <a:spcPts val="100"/>
+              </a:spcBef>
+              <a:spcAft>
+                <a:spcPts val="100"/>
+              </a:spcAft>
+            </a:pPr>
+            <a:r>
+              <a:rPr lang="pl-PL" sz="1600" b="1" dirty="0" smtClean="0">
+                <a:solidFill>
+                  <a:srgbClr val="00B050"/>
+                </a:solidFill>
+              </a:rPr>
+              <a:t>Ostateczny termin zaliczenia ćwiczenia: </a:t>
+            </a:r>
+            <a:r>
+              <a:rPr lang="pl-PL" sz="1600" b="1" dirty="0" smtClean="0">
+                <a:solidFill>
+                  <a:srgbClr val="00B050"/>
+                </a:solidFill>
+              </a:rPr>
+              <a:t>czwartek 30 marca</a:t>
+            </a:r>
+            <a:endParaRPr lang="pl-PL" sz="1600" b="1" dirty="0" smtClean="0">
+              <a:solidFill>
+                <a:srgbClr val="00B050"/>
+              </a:solidFill>
+            </a:endParaRPr>
+          </a:p>
+          <a:p>
+            <a:pPr>
+              <a:spcBef>
+                <a:spcPts val="100"/>
+              </a:spcBef>
+              <a:spcAft>
+                <a:spcPts val="100"/>
+              </a:spcAft>
+            </a:pPr>
+            <a:r>
+              <a:rPr lang="pl-PL" sz="1600" b="1" dirty="0" smtClean="0">
+                <a:solidFill>
+                  <a:srgbClr val="00B050"/>
+                </a:solidFill>
+              </a:rPr>
+              <a:t>Rozwiązania dostarczone później nie będą uwzględniane (0 punktów)</a:t>
+            </a:r>
+            <a:endParaRPr lang="pl-PL" sz="1600" b="1" dirty="0">
+              <a:solidFill>
+                <a:srgbClr val="00B050"/>
+              </a:solidFill>
+            </a:endParaRPr>
+          </a:p>
+        </p:txBody>
+      </p:sp>
     </p:spTree>
     <p:extLst>
       <p:ext uri="{BB962C8B-B14F-4D97-AF65-F5344CB8AC3E}">
@@ -12570,6 +12902,89 @@
           </a:p>
           <a:p>
             <a:endParaRPr lang="pl-PL" dirty="0" smtClean="0"/>
+          </a:p>
+        </p:txBody>
+      </p:sp>
+      <p:sp>
+        <p:nvSpPr>
+          <p:cNvPr id="8" name="pole tekstowe 7"/>
+          <p:cNvSpPr txBox="1"/>
+          <p:nvPr/>
+        </p:nvSpPr>
+        <p:spPr bwMode="auto">
+          <a:xfrm>
+            <a:off x="635425" y="3847175"/>
+            <a:ext cx="6751848" cy="518091"/>
+          </a:xfrm>
+          <a:prstGeom prst="rect">
+            <a:avLst/>
+          </a:prstGeom>
+          <a:noFill/>
+          <a:ln w="9525">
+            <a:noFill/>
+            <a:miter lim="800000"/>
+            <a:headEnd/>
+            <a:tailEnd/>
+          </a:ln>
+        </p:spPr>
+        <p:txBody>
+          <a:bodyPr wrap="none" lIns="0" tIns="0" rIns="0" bIns="0" rtlCol="0">
+            <a:spAutoFit/>
+          </a:bodyPr>
+          <a:lstStyle/>
+          <a:p>
+            <a:pPr>
+              <a:spcBef>
+                <a:spcPts val="100"/>
+              </a:spcBef>
+              <a:spcAft>
+                <a:spcPts val="100"/>
+              </a:spcAft>
+            </a:pPr>
+            <a:r>
+              <a:rPr lang="pl-PL" sz="1600" b="1" dirty="0" smtClean="0">
+                <a:solidFill>
+                  <a:srgbClr val="00B050"/>
+                </a:solidFill>
+              </a:rPr>
+              <a:t>Ostateczny termin zaliczenia ćwiczenia: </a:t>
+            </a:r>
+            <a:r>
+              <a:rPr lang="pl-PL" sz="1600" b="1" dirty="0" smtClean="0">
+                <a:solidFill>
+                  <a:srgbClr val="00B050"/>
+                </a:solidFill>
+              </a:rPr>
+              <a:t>czwartek 30 marca</a:t>
+            </a:r>
+            <a:endParaRPr lang="pl-PL" sz="1600" b="1" dirty="0" smtClean="0">
+              <a:solidFill>
+                <a:srgbClr val="00B050"/>
+              </a:solidFill>
+            </a:endParaRPr>
+          </a:p>
+          <a:p>
+            <a:pPr>
+              <a:spcBef>
+                <a:spcPts val="100"/>
+              </a:spcBef>
+              <a:spcAft>
+                <a:spcPts val="100"/>
+              </a:spcAft>
+            </a:pPr>
+            <a:r>
+              <a:rPr lang="pl-PL" sz="1600" b="1" dirty="0" smtClean="0">
+                <a:solidFill>
+                  <a:srgbClr val="00B050"/>
+                </a:solidFill>
+              </a:rPr>
+              <a:t>Rozwiązania dostarczone później nie będą uwzględniane (0 punktów)</a:t>
+            </a:r>
+            <a:endParaRPr lang="pl-PL" sz="1600" b="1" dirty="0">
+              <a:solidFill>
+                <a:srgbClr val="00B050"/>
+              </a:solidFill>
+            </a:endParaRPr>
           </a:p>
         </p:txBody>
       </p:sp>
@@ -13229,6 +13644,89 @@
           </a:p>
         </p:txBody>
       </p:sp>
+      <p:sp>
+        <p:nvSpPr>
+          <p:cNvPr id="8" name="pole tekstowe 7"/>
+          <p:cNvSpPr txBox="1"/>
+          <p:nvPr/>
+        </p:nvSpPr>
+        <p:spPr bwMode="auto">
+          <a:xfrm>
+            <a:off x="635425" y="3847175"/>
+            <a:ext cx="6751848" cy="518091"/>
+          </a:xfrm>
+          <a:prstGeom prst="rect">
+            <a:avLst/>
+          </a:prstGeom>
+          <a:noFill/>
+          <a:ln w="9525">
+            <a:noFill/>
+            <a:miter lim="800000"/>
+            <a:headEnd/>
+            <a:tailEnd/>
+          </a:ln>
+        </p:spPr>
+        <p:txBody>
+          <a:bodyPr wrap="none" lIns="0" tIns="0" rIns="0" bIns="0" rtlCol="0">
+            <a:spAutoFit/>
+          </a:bodyPr>
+          <a:lstStyle/>
+          <a:p>
+            <a:pPr>
+              <a:spcBef>
+                <a:spcPts val="100"/>
+              </a:spcBef>
+              <a:spcAft>
+                <a:spcPts val="100"/>
+              </a:spcAft>
+            </a:pPr>
+            <a:r>
+              <a:rPr lang="pl-PL" sz="1600" b="1" dirty="0" smtClean="0">
+                <a:solidFill>
+                  <a:srgbClr val="00B050"/>
+                </a:solidFill>
+              </a:rPr>
+              <a:t>Ostateczny termin zaliczenia ćwiczenia: </a:t>
+            </a:r>
+            <a:r>
+              <a:rPr lang="pl-PL" sz="1600" b="1" dirty="0" smtClean="0">
+                <a:solidFill>
+                  <a:srgbClr val="00B050"/>
+                </a:solidFill>
+              </a:rPr>
+              <a:t>czwartek 30 marca</a:t>
+            </a:r>
+            <a:endParaRPr lang="pl-PL" sz="1600" b="1" dirty="0" smtClean="0">
+              <a:solidFill>
+                <a:srgbClr val="00B050"/>
+              </a:solidFill>
+            </a:endParaRPr>
+          </a:p>
+          <a:p>
+            <a:pPr>
+              <a:spcBef>
+                <a:spcPts val="100"/>
+              </a:spcBef>
+              <a:spcAft>
+                <a:spcPts val="100"/>
+              </a:spcAft>
+            </a:pPr>
+            <a:r>
+              <a:rPr lang="pl-PL" sz="1600" b="1" dirty="0" smtClean="0">
+                <a:solidFill>
+                  <a:srgbClr val="00B050"/>
+                </a:solidFill>
+              </a:rPr>
+              <a:t>Rozwiązania dostarczone później nie będą uwzględniane (0 punktów)</a:t>
+            </a:r>
+            <a:endParaRPr lang="pl-PL" sz="1600" b="1" dirty="0">
+              <a:solidFill>
+                <a:srgbClr val="00B050"/>
+              </a:solidFill>
+            </a:endParaRPr>
+          </a:p>
+        </p:txBody>
+      </p:sp>
     </p:spTree>
     <p:extLst>
       <p:ext uri="{BB962C8B-B14F-4D97-AF65-F5344CB8AC3E}">
@@ -14502,6 +15000,89 @@
           </a:p>
         </p:txBody>
       </p:sp>
+      <p:sp>
+        <p:nvSpPr>
+          <p:cNvPr id="8" name="pole tekstowe 7"/>
+          <p:cNvSpPr txBox="1"/>
+          <p:nvPr/>
+        </p:nvSpPr>
+        <p:spPr bwMode="auto">
+          <a:xfrm>
+            <a:off x="778543" y="4365266"/>
+            <a:ext cx="6751848" cy="518091"/>
+          </a:xfrm>
+          <a:prstGeom prst="rect">
+            <a:avLst/>
+          </a:prstGeom>
+          <a:noFill/>
+          <a:ln w="9525">
+            <a:noFill/>
+            <a:miter lim="800000"/>
+            <a:headEnd/>
+            <a:tailEnd/>
+          </a:ln>
+        </p:spPr>
+        <p:txBody>
+          <a:bodyPr wrap="none" lIns="0" tIns="0" rIns="0" bIns="0" rtlCol="0">
+            <a:spAutoFit/>
+          </a:bodyPr>
+          <a:lstStyle/>
+          <a:p>
+            <a:pPr>
+              <a:spcBef>
+                <a:spcPts val="100"/>
+              </a:spcBef>
+              <a:spcAft>
+                <a:spcPts val="100"/>
+              </a:spcAft>
+            </a:pPr>
+            <a:r>
+              <a:rPr lang="pl-PL" sz="1600" b="1" dirty="0" smtClean="0">
+                <a:solidFill>
+                  <a:srgbClr val="00B050"/>
+                </a:solidFill>
+              </a:rPr>
+              <a:t>Ostateczny termin zaliczenia ćwiczenia: </a:t>
+            </a:r>
+            <a:r>
+              <a:rPr lang="pl-PL" sz="1600" b="1" dirty="0" smtClean="0">
+                <a:solidFill>
+                  <a:srgbClr val="00B050"/>
+                </a:solidFill>
+              </a:rPr>
+              <a:t>czwartek 30 marca</a:t>
+            </a:r>
+            <a:endParaRPr lang="pl-PL" sz="1600" b="1" dirty="0" smtClean="0">
+              <a:solidFill>
+                <a:srgbClr val="00B050"/>
+              </a:solidFill>
+            </a:endParaRPr>
+          </a:p>
+          <a:p>
+            <a:pPr>
+              <a:spcBef>
+                <a:spcPts val="100"/>
+              </a:spcBef>
+              <a:spcAft>
+                <a:spcPts val="100"/>
+              </a:spcAft>
+            </a:pPr>
+            <a:r>
+              <a:rPr lang="pl-PL" sz="1600" b="1" dirty="0" smtClean="0">
+                <a:solidFill>
+                  <a:srgbClr val="00B050"/>
+                </a:solidFill>
+              </a:rPr>
+              <a:t>Rozwiązania dostarczone później nie będą uwzględniane (0 punktów)</a:t>
+            </a:r>
+            <a:endParaRPr lang="pl-PL" sz="1600" b="1" dirty="0">
+              <a:solidFill>
+                <a:srgbClr val="00B050"/>
+              </a:solidFill>
+            </a:endParaRPr>
+          </a:p>
+        </p:txBody>
+      </p:sp>
     </p:spTree>
     <p:extLst>
       <p:ext uri="{BB962C8B-B14F-4D97-AF65-F5344CB8AC3E}">
@@ -14791,6 +15372,89 @@
           </a:p>
           <a:p>
             <a:endParaRPr lang="pl-PL" dirty="0" smtClean="0"/>
+          </a:p>
+        </p:txBody>
+      </p:sp>
+      <p:sp>
+        <p:nvSpPr>
+          <p:cNvPr id="8" name="pole tekstowe 7"/>
+          <p:cNvSpPr txBox="1"/>
+          <p:nvPr/>
+        </p:nvSpPr>
+        <p:spPr bwMode="auto">
+          <a:xfrm>
+            <a:off x="635425" y="3847175"/>
+            <a:ext cx="6751848" cy="518091"/>
+          </a:xfrm>
+          <a:prstGeom prst="rect">
+            <a:avLst/>
+          </a:prstGeom>
+          <a:noFill/>
+          <a:ln w="9525">
+            <a:noFill/>
+            <a:miter lim="800000"/>
+            <a:headEnd/>
+            <a:tailEnd/>
+          </a:ln>
+        </p:spPr>
+        <p:txBody>
+          <a:bodyPr wrap="none" lIns="0" tIns="0" rIns="0" bIns="0" rtlCol="0">
+            <a:spAutoFit/>
+          </a:bodyPr>
+          <a:lstStyle/>
+          <a:p>
+            <a:pPr>
+              <a:spcBef>
+                <a:spcPts val="100"/>
+              </a:spcBef>
+              <a:spcAft>
+                <a:spcPts val="100"/>
+              </a:spcAft>
+            </a:pPr>
+            <a:r>
+              <a:rPr lang="pl-PL" sz="1600" b="1" dirty="0" smtClean="0">
+                <a:solidFill>
+                  <a:srgbClr val="00B050"/>
+                </a:solidFill>
+              </a:rPr>
+              <a:t>Ostateczny termin zaliczenia ćwiczenia: </a:t>
+            </a:r>
+            <a:r>
+              <a:rPr lang="pl-PL" sz="1600" b="1" dirty="0" smtClean="0">
+                <a:solidFill>
+                  <a:srgbClr val="00B050"/>
+                </a:solidFill>
+              </a:rPr>
+              <a:t>czwartek 30 marca</a:t>
+            </a:r>
+            <a:endParaRPr lang="pl-PL" sz="1600" b="1" dirty="0" smtClean="0">
+              <a:solidFill>
+                <a:srgbClr val="00B050"/>
+              </a:solidFill>
+            </a:endParaRPr>
+          </a:p>
+          <a:p>
+            <a:pPr>
+              <a:spcBef>
+                <a:spcPts val="100"/>
+              </a:spcBef>
+              <a:spcAft>
+                <a:spcPts val="100"/>
+              </a:spcAft>
+            </a:pPr>
+            <a:r>
+              <a:rPr lang="pl-PL" sz="1600" b="1" dirty="0" smtClean="0">
+                <a:solidFill>
+                  <a:srgbClr val="00B050"/>
+                </a:solidFill>
+              </a:rPr>
+              <a:t>Rozwiązania dostarczone później nie będą uwzględniane (0 punktów)</a:t>
+            </a:r>
+            <a:endParaRPr lang="pl-PL" sz="1600" b="1" dirty="0">
+              <a:solidFill>
+                <a:srgbClr val="00B050"/>
+              </a:solidFill>
+            </a:endParaRPr>
           </a:p>
         </p:txBody>
       </p:sp>
